--- a/insidermidway/Challenge B/Employee Turnover.pptx
+++ b/insidermidway/Challenge B/Employee Turnover.pptx
@@ -9,6 +9,21 @@
     <p:sldId id="257" r:id="rId3"/>
     <p:sldId id="258" r:id="rId4"/>
     <p:sldId id="259" r:id="rId5"/>
+    <p:sldId id="260" r:id="rId6"/>
+    <p:sldId id="261" r:id="rId7"/>
+    <p:sldId id="262" r:id="rId8"/>
+    <p:sldId id="263" r:id="rId9"/>
+    <p:sldId id="264" r:id="rId10"/>
+    <p:sldId id="265" r:id="rId11"/>
+    <p:sldId id="267" r:id="rId12"/>
+    <p:sldId id="266" r:id="rId13"/>
+    <p:sldId id="268" r:id="rId14"/>
+    <p:sldId id="269" r:id="rId15"/>
+    <p:sldId id="270" r:id="rId16"/>
+    <p:sldId id="271" r:id="rId17"/>
+    <p:sldId id="272" r:id="rId18"/>
+    <p:sldId id="273" r:id="rId19"/>
+    <p:sldId id="274" r:id="rId20"/>
   </p:sldIdLst>
   <p:sldSz cx="12192000" cy="6858000"/>
   <p:notesSz cx="6858000" cy="9144000"/>
@@ -107,6 +122,50 @@
       </a:defRPr>
     </a:lvl9pPr>
   </p:defaultTextStyle>
+  <p:extLst>
+    <p:ext uri="{521415D9-36F7-43E2-AB2F-B90AF26B5E84}">
+      <p14:sectionLst xmlns:p14="http://schemas.microsoft.com/office/powerpoint/2010/main">
+        <p14:section name="Default Section" id="{F49DA191-148E-48C9-AE10-7C8E600FA4B9}">
+          <p14:sldIdLst>
+            <p14:sldId id="256"/>
+            <p14:sldId id="257"/>
+            <p14:sldId id="258"/>
+            <p14:sldId id="259"/>
+          </p14:sldIdLst>
+        </p14:section>
+        <p14:section name="Designer" id="{E3576849-807F-42D9-8D74-8B4B4FEECA2E}">
+          <p14:sldIdLst>
+            <p14:sldId id="260"/>
+            <p14:sldId id="261"/>
+          </p14:sldIdLst>
+        </p14:section>
+        <p14:section name="Automated ML" id="{05D88D86-17D4-42D0-8360-380E8588EBCB}">
+          <p14:sldIdLst>
+            <p14:sldId id="262"/>
+            <p14:sldId id="263"/>
+            <p14:sldId id="264"/>
+          </p14:sldIdLst>
+        </p14:section>
+        <p14:section name="NoteBooks" id="{2CC30E51-5F1E-420D-9AA2-E2F7F8DC36CB}">
+          <p14:sldIdLst>
+            <p14:sldId id="265"/>
+            <p14:sldId id="267"/>
+            <p14:sldId id="266"/>
+            <p14:sldId id="268"/>
+            <p14:sldId id="269"/>
+            <p14:sldId id="270"/>
+            <p14:sldId id="271"/>
+            <p14:sldId id="272"/>
+            <p14:sldId id="273"/>
+            <p14:sldId id="274"/>
+          </p14:sldIdLst>
+        </p14:section>
+      </p14:sectionLst>
+    </p:ext>
+    <p:ext uri="{EFAFB233-063F-42B5-8137-9DF3F51BA10A}">
+      <p15:sldGuideLst xmlns:p15="http://schemas.microsoft.com/office/powerpoint/2012/main"/>
+    </p:ext>
+  </p:extLst>
 </p:presentation>
 </file>
 
@@ -257,7 +316,7 @@
           <a:p>
             <a:fld id="{B54ECAEB-5C8C-43D6-8ACE-0A88264474A2}" type="datetimeFigureOut">
               <a:rPr lang="en-US" smtClean="0"/>
-              <a:t>10/29/2020</a:t>
+              <a:t>10/31/2020</a:t>
             </a:fld>
             <a:endParaRPr lang="en-US"/>
           </a:p>
@@ -455,7 +514,7 @@
           <a:p>
             <a:fld id="{B54ECAEB-5C8C-43D6-8ACE-0A88264474A2}" type="datetimeFigureOut">
               <a:rPr lang="en-US" smtClean="0"/>
-              <a:t>10/29/2020</a:t>
+              <a:t>10/31/2020</a:t>
             </a:fld>
             <a:endParaRPr lang="en-US"/>
           </a:p>
@@ -663,7 +722,7 @@
           <a:p>
             <a:fld id="{B54ECAEB-5C8C-43D6-8ACE-0A88264474A2}" type="datetimeFigureOut">
               <a:rPr lang="en-US" smtClean="0"/>
-              <a:t>10/29/2020</a:t>
+              <a:t>10/31/2020</a:t>
             </a:fld>
             <a:endParaRPr lang="en-US"/>
           </a:p>
@@ -861,7 +920,7 @@
           <a:p>
             <a:fld id="{B54ECAEB-5C8C-43D6-8ACE-0A88264474A2}" type="datetimeFigureOut">
               <a:rPr lang="en-US" smtClean="0"/>
-              <a:t>10/29/2020</a:t>
+              <a:t>10/31/2020</a:t>
             </a:fld>
             <a:endParaRPr lang="en-US"/>
           </a:p>
@@ -1136,7 +1195,7 @@
           <a:p>
             <a:fld id="{B54ECAEB-5C8C-43D6-8ACE-0A88264474A2}" type="datetimeFigureOut">
               <a:rPr lang="en-US" smtClean="0"/>
-              <a:t>10/29/2020</a:t>
+              <a:t>10/31/2020</a:t>
             </a:fld>
             <a:endParaRPr lang="en-US"/>
           </a:p>
@@ -1401,7 +1460,7 @@
           <a:p>
             <a:fld id="{B54ECAEB-5C8C-43D6-8ACE-0A88264474A2}" type="datetimeFigureOut">
               <a:rPr lang="en-US" smtClean="0"/>
-              <a:t>10/29/2020</a:t>
+              <a:t>10/31/2020</a:t>
             </a:fld>
             <a:endParaRPr lang="en-US"/>
           </a:p>
@@ -1813,7 +1872,7 @@
           <a:p>
             <a:fld id="{B54ECAEB-5C8C-43D6-8ACE-0A88264474A2}" type="datetimeFigureOut">
               <a:rPr lang="en-US" smtClean="0"/>
-              <a:t>10/29/2020</a:t>
+              <a:t>10/31/2020</a:t>
             </a:fld>
             <a:endParaRPr lang="en-US"/>
           </a:p>
@@ -1954,7 +2013,7 @@
           <a:p>
             <a:fld id="{B54ECAEB-5C8C-43D6-8ACE-0A88264474A2}" type="datetimeFigureOut">
               <a:rPr lang="en-US" smtClean="0"/>
-              <a:t>10/29/2020</a:t>
+              <a:t>10/31/2020</a:t>
             </a:fld>
             <a:endParaRPr lang="en-US"/>
           </a:p>
@@ -2067,7 +2126,7 @@
           <a:p>
             <a:fld id="{B54ECAEB-5C8C-43D6-8ACE-0A88264474A2}" type="datetimeFigureOut">
               <a:rPr lang="en-US" smtClean="0"/>
-              <a:t>10/29/2020</a:t>
+              <a:t>10/31/2020</a:t>
             </a:fld>
             <a:endParaRPr lang="en-US"/>
           </a:p>
@@ -2378,7 +2437,7 @@
           <a:p>
             <a:fld id="{B54ECAEB-5C8C-43D6-8ACE-0A88264474A2}" type="datetimeFigureOut">
               <a:rPr lang="en-US" smtClean="0"/>
-              <a:t>10/29/2020</a:t>
+              <a:t>10/31/2020</a:t>
             </a:fld>
             <a:endParaRPr lang="en-US"/>
           </a:p>
@@ -2666,7 +2725,7 @@
           <a:p>
             <a:fld id="{B54ECAEB-5C8C-43D6-8ACE-0A88264474A2}" type="datetimeFigureOut">
               <a:rPr lang="en-US" smtClean="0"/>
-              <a:t>10/29/2020</a:t>
+              <a:t>10/31/2020</a:t>
             </a:fld>
             <a:endParaRPr lang="en-US"/>
           </a:p>
@@ -2907,7 +2966,7 @@
           <a:p>
             <a:fld id="{B54ECAEB-5C8C-43D6-8ACE-0A88264474A2}" type="datetimeFigureOut">
               <a:rPr lang="en-US" smtClean="0"/>
-              <a:t>10/29/2020</a:t>
+              <a:t>10/31/2020</a:t>
             </a:fld>
             <a:endParaRPr lang="en-US"/>
           </a:p>
@@ -3390,6 +3449,1290 @@
 </p:sld>
 </file>
 
+<file path=ppt/slides/slide10.xml><?xml version="1.0" encoding="utf-8"?>
+<p:sld xmlns:a="http://schemas.openxmlformats.org/drawingml/2006/main" xmlns:r="http://schemas.openxmlformats.org/officeDocument/2006/relationships" xmlns:p="http://schemas.openxmlformats.org/presentationml/2006/main">
+  <p:cSld>
+    <p:bg>
+      <p:bgPr>
+        <a:solidFill>
+          <a:schemeClr val="bg1"/>
+        </a:solidFill>
+        <a:effectLst/>
+      </p:bgPr>
+    </p:bg>
+    <p:spTree>
+      <p:nvGrpSpPr>
+        <p:cNvPr id="1" name=""/>
+        <p:cNvGrpSpPr/>
+        <p:nvPr/>
+      </p:nvGrpSpPr>
+      <p:grpSpPr>
+        <a:xfrm>
+          <a:off x="0" y="0"/>
+          <a:ext cx="0" cy="0"/>
+          <a:chOff x="0" y="0"/>
+          <a:chExt cx="0" cy="0"/>
+        </a:xfrm>
+      </p:grpSpPr>
+      <p:sp>
+        <p:nvSpPr>
+          <p:cNvPr id="9" name="Rectangle 8">
+            <a:extLst>
+              <a:ext uri="{FF2B5EF4-FFF2-40B4-BE49-F238E27FC236}">
+                <a16:creationId xmlns:a16="http://schemas.microsoft.com/office/drawing/2014/main" id="{42A4FC2C-047E-45A5-965D-8E1E3BF09BC6}"/>
+              </a:ext>
+              <a:ext uri="{C183D7F6-B498-43B3-948B-1728B52AA6E4}">
+                <adec:decorative xmlns:adec="http://schemas.microsoft.com/office/drawing/2017/decorative" val="1"/>
+              </a:ext>
+            </a:extLst>
+          </p:cNvPr>
+          <p:cNvSpPr>
+            <a:spLocks noGrp="1" noRot="1" noChangeAspect="1" noMove="1" noResize="1" noEditPoints="1" noAdjustHandles="1" noChangeArrowheads="1" noChangeShapeType="1" noTextEdit="1"/>
+          </p:cNvSpPr>
+          <p:nvPr>
+            <p:extLst>
+              <p:ext uri="{386F3935-93C4-4BCD-93E2-E3B085C9AB24}">
+                <p16:designElem xmlns:p16="http://schemas.microsoft.com/office/powerpoint/2015/main" val="1"/>
+              </p:ext>
+            </p:extLst>
+          </p:nvPr>
+        </p:nvSpPr>
+        <p:spPr bwMode="white">
+          <a:xfrm>
+            <a:off x="1524" y="0"/>
+            <a:ext cx="12188952" cy="6858000"/>
+          </a:xfrm>
+          <a:prstGeom prst="rect">
+            <a:avLst/>
+          </a:prstGeom>
+          <a:noFill/>
+          <a:ln>
+            <a:noFill/>
+          </a:ln>
+        </p:spPr>
+        <p:style>
+          <a:lnRef idx="2">
+            <a:schemeClr val="accent1">
+              <a:shade val="50000"/>
+            </a:schemeClr>
+          </a:lnRef>
+          <a:fillRef idx="1">
+            <a:schemeClr val="accent1"/>
+          </a:fillRef>
+          <a:effectRef idx="0">
+            <a:schemeClr val="accent1"/>
+          </a:effectRef>
+          <a:fontRef idx="minor">
+            <a:schemeClr val="lt1"/>
+          </a:fontRef>
+        </p:style>
+        <p:txBody>
+          <a:bodyPr rtlCol="0" anchor="ctr"/>
+          <a:lstStyle>
+            <a:defPPr>
+              <a:defRPr lang="en-US"/>
+            </a:defPPr>
+            <a:lvl1pPr marL="0" algn="l" defTabSz="914400" rtl="0" eaLnBrk="1" latinLnBrk="0" hangingPunct="1">
+              <a:defRPr sz="1800" kern="1200">
+                <a:solidFill>
+                  <a:schemeClr val="lt1"/>
+                </a:solidFill>
+                <a:latin typeface="+mn-lt"/>
+                <a:ea typeface="+mn-ea"/>
+                <a:cs typeface="+mn-cs"/>
+              </a:defRPr>
+            </a:lvl1pPr>
+            <a:lvl2pPr marL="457200" algn="l" defTabSz="914400" rtl="0" eaLnBrk="1" latinLnBrk="0" hangingPunct="1">
+              <a:defRPr sz="1800" kern="1200">
+                <a:solidFill>
+                  <a:schemeClr val="lt1"/>
+                </a:solidFill>
+                <a:latin typeface="+mn-lt"/>
+                <a:ea typeface="+mn-ea"/>
+                <a:cs typeface="+mn-cs"/>
+              </a:defRPr>
+            </a:lvl2pPr>
+            <a:lvl3pPr marL="914400" algn="l" defTabSz="914400" rtl="0" eaLnBrk="1" latinLnBrk="0" hangingPunct="1">
+              <a:defRPr sz="1800" kern="1200">
+                <a:solidFill>
+                  <a:schemeClr val="lt1"/>
+                </a:solidFill>
+                <a:latin typeface="+mn-lt"/>
+                <a:ea typeface="+mn-ea"/>
+                <a:cs typeface="+mn-cs"/>
+              </a:defRPr>
+            </a:lvl3pPr>
+            <a:lvl4pPr marL="1371600" algn="l" defTabSz="914400" rtl="0" eaLnBrk="1" latinLnBrk="0" hangingPunct="1">
+              <a:defRPr sz="1800" kern="1200">
+                <a:solidFill>
+                  <a:schemeClr val="lt1"/>
+                </a:solidFill>
+                <a:latin typeface="+mn-lt"/>
+                <a:ea typeface="+mn-ea"/>
+                <a:cs typeface="+mn-cs"/>
+              </a:defRPr>
+            </a:lvl4pPr>
+            <a:lvl5pPr marL="1828800" algn="l" defTabSz="914400" rtl="0" eaLnBrk="1" latinLnBrk="0" hangingPunct="1">
+              <a:defRPr sz="1800" kern="1200">
+                <a:solidFill>
+                  <a:schemeClr val="lt1"/>
+                </a:solidFill>
+                <a:latin typeface="+mn-lt"/>
+                <a:ea typeface="+mn-ea"/>
+                <a:cs typeface="+mn-cs"/>
+              </a:defRPr>
+            </a:lvl5pPr>
+            <a:lvl6pPr marL="2286000" algn="l" defTabSz="914400" rtl="0" eaLnBrk="1" latinLnBrk="0" hangingPunct="1">
+              <a:defRPr sz="1800" kern="1200">
+                <a:solidFill>
+                  <a:schemeClr val="lt1"/>
+                </a:solidFill>
+                <a:latin typeface="+mn-lt"/>
+                <a:ea typeface="+mn-ea"/>
+                <a:cs typeface="+mn-cs"/>
+              </a:defRPr>
+            </a:lvl6pPr>
+            <a:lvl7pPr marL="2743200" algn="l" defTabSz="914400" rtl="0" eaLnBrk="1" latinLnBrk="0" hangingPunct="1">
+              <a:defRPr sz="1800" kern="1200">
+                <a:solidFill>
+                  <a:schemeClr val="lt1"/>
+                </a:solidFill>
+                <a:latin typeface="+mn-lt"/>
+                <a:ea typeface="+mn-ea"/>
+                <a:cs typeface="+mn-cs"/>
+              </a:defRPr>
+            </a:lvl7pPr>
+            <a:lvl8pPr marL="3200400" algn="l" defTabSz="914400" rtl="0" eaLnBrk="1" latinLnBrk="0" hangingPunct="1">
+              <a:defRPr sz="1800" kern="1200">
+                <a:solidFill>
+                  <a:schemeClr val="lt1"/>
+                </a:solidFill>
+                <a:latin typeface="+mn-lt"/>
+                <a:ea typeface="+mn-ea"/>
+                <a:cs typeface="+mn-cs"/>
+              </a:defRPr>
+            </a:lvl8pPr>
+            <a:lvl9pPr marL="3657600" algn="l" defTabSz="914400" rtl="0" eaLnBrk="1" latinLnBrk="0" hangingPunct="1">
+              <a:defRPr sz="1800" kern="1200">
+                <a:solidFill>
+                  <a:schemeClr val="lt1"/>
+                </a:solidFill>
+                <a:latin typeface="+mn-lt"/>
+                <a:ea typeface="+mn-ea"/>
+                <a:cs typeface="+mn-cs"/>
+              </a:defRPr>
+            </a:lvl9pPr>
+          </a:lstStyle>
+          <a:p>
+            <a:pPr algn="ctr"/>
+            <a:endParaRPr lang="en-US"/>
+          </a:p>
+        </p:txBody>
+      </p:sp>
+      <p:pic>
+        <p:nvPicPr>
+          <p:cNvPr id="4" name="Content Placeholder 3">
+            <a:extLst>
+              <a:ext uri="{FF2B5EF4-FFF2-40B4-BE49-F238E27FC236}">
+                <a16:creationId xmlns:a16="http://schemas.microsoft.com/office/drawing/2014/main" id="{2961A9B4-C513-44E1-BA0D-3C51D3A990EB}"/>
+              </a:ext>
+            </a:extLst>
+          </p:cNvPr>
+          <p:cNvPicPr>
+            <a:picLocks noGrp="1" noChangeAspect="1"/>
+          </p:cNvPicPr>
+          <p:nvPr>
+            <p:ph idx="1"/>
+          </p:nvPr>
+        </p:nvPicPr>
+        <p:blipFill rotWithShape="1">
+          <a:blip r:embed="rId2"/>
+          <a:srcRect r="3538" b="1"/>
+          <a:stretch/>
+        </p:blipFill>
+        <p:spPr>
+          <a:xfrm>
+            <a:off x="20" y="1282"/>
+            <a:ext cx="12191980" cy="6856718"/>
+          </a:xfrm>
+          <a:prstGeom prst="rect">
+            <a:avLst/>
+          </a:prstGeom>
+        </p:spPr>
+      </p:pic>
+    </p:spTree>
+    <p:extLst>
+      <p:ext uri="{BB962C8B-B14F-4D97-AF65-F5344CB8AC3E}">
+        <p14:creationId xmlns:p14="http://schemas.microsoft.com/office/powerpoint/2010/main" val="2648447490"/>
+      </p:ext>
+    </p:extLst>
+  </p:cSld>
+  <p:clrMapOvr>
+    <a:masterClrMapping/>
+  </p:clrMapOvr>
+</p:sld>
+</file>
+
+<file path=ppt/slides/slide11.xml><?xml version="1.0" encoding="utf-8"?>
+<p:sld xmlns:a="http://schemas.openxmlformats.org/drawingml/2006/main" xmlns:r="http://schemas.openxmlformats.org/officeDocument/2006/relationships" xmlns:p="http://schemas.openxmlformats.org/presentationml/2006/main">
+  <p:cSld>
+    <p:spTree>
+      <p:nvGrpSpPr>
+        <p:cNvPr id="1" name=""/>
+        <p:cNvGrpSpPr/>
+        <p:nvPr/>
+      </p:nvGrpSpPr>
+      <p:grpSpPr>
+        <a:xfrm>
+          <a:off x="0" y="0"/>
+          <a:ext cx="0" cy="0"/>
+          <a:chOff x="0" y="0"/>
+          <a:chExt cx="0" cy="0"/>
+        </a:xfrm>
+      </p:grpSpPr>
+      <p:sp>
+        <p:nvSpPr>
+          <p:cNvPr id="2" name="Title 1">
+            <a:extLst>
+              <a:ext uri="{FF2B5EF4-FFF2-40B4-BE49-F238E27FC236}">
+                <a16:creationId xmlns:a16="http://schemas.microsoft.com/office/drawing/2014/main" id="{B03919EF-D7D7-49DC-8278-A388DAD4B24E}"/>
+              </a:ext>
+            </a:extLst>
+          </p:cNvPr>
+          <p:cNvSpPr>
+            <a:spLocks noGrp="1"/>
+          </p:cNvSpPr>
+          <p:nvPr>
+            <p:ph type="title"/>
+          </p:nvPr>
+        </p:nvSpPr>
+        <p:spPr/>
+        <p:txBody>
+          <a:bodyPr/>
+          <a:lstStyle/>
+          <a:p>
+            <a:endParaRPr lang="en-US"/>
+          </a:p>
+        </p:txBody>
+      </p:sp>
+      <p:pic>
+        <p:nvPicPr>
+          <p:cNvPr id="6" name="Content Placeholder 5">
+            <a:extLst>
+              <a:ext uri="{FF2B5EF4-FFF2-40B4-BE49-F238E27FC236}">
+                <a16:creationId xmlns:a16="http://schemas.microsoft.com/office/drawing/2014/main" id="{8189452C-DA1A-471D-96C4-ACE2B4E08455}"/>
+              </a:ext>
+            </a:extLst>
+          </p:cNvPr>
+          <p:cNvPicPr>
+            <a:picLocks noGrp="1" noChangeAspect="1"/>
+          </p:cNvPicPr>
+          <p:nvPr>
+            <p:ph idx="1"/>
+          </p:nvPr>
+        </p:nvPicPr>
+        <p:blipFill>
+          <a:blip r:embed="rId2"/>
+          <a:stretch>
+            <a:fillRect/>
+          </a:stretch>
+        </p:blipFill>
+        <p:spPr>
+          <a:xfrm>
+            <a:off x="6501753" y="1848028"/>
+            <a:ext cx="4527064" cy="1747929"/>
+          </a:xfrm>
+          <a:prstGeom prst="rect">
+            <a:avLst/>
+          </a:prstGeom>
+        </p:spPr>
+      </p:pic>
+      <p:pic>
+        <p:nvPicPr>
+          <p:cNvPr id="4" name="Picture 3">
+            <a:extLst>
+              <a:ext uri="{FF2B5EF4-FFF2-40B4-BE49-F238E27FC236}">
+                <a16:creationId xmlns:a16="http://schemas.microsoft.com/office/drawing/2014/main" id="{3D807D10-AE38-46A5-9696-13A91559DD7A}"/>
+              </a:ext>
+            </a:extLst>
+          </p:cNvPr>
+          <p:cNvPicPr>
+            <a:picLocks noChangeAspect="1"/>
+          </p:cNvPicPr>
+          <p:nvPr/>
+        </p:nvPicPr>
+        <p:blipFill>
+          <a:blip r:embed="rId3"/>
+          <a:stretch>
+            <a:fillRect/>
+          </a:stretch>
+        </p:blipFill>
+        <p:spPr>
+          <a:xfrm>
+            <a:off x="838200" y="1915496"/>
+            <a:ext cx="4640422" cy="1747929"/>
+          </a:xfrm>
+          <a:prstGeom prst="rect">
+            <a:avLst/>
+          </a:prstGeom>
+        </p:spPr>
+      </p:pic>
+      <p:pic>
+        <p:nvPicPr>
+          <p:cNvPr id="5" name="Picture 4">
+            <a:extLst>
+              <a:ext uri="{FF2B5EF4-FFF2-40B4-BE49-F238E27FC236}">
+                <a16:creationId xmlns:a16="http://schemas.microsoft.com/office/drawing/2014/main" id="{CA7440A2-4B1F-4823-AFFF-4D883D9479C7}"/>
+              </a:ext>
+            </a:extLst>
+          </p:cNvPr>
+          <p:cNvPicPr>
+            <a:picLocks noChangeAspect="1"/>
+          </p:cNvPicPr>
+          <p:nvPr/>
+        </p:nvPicPr>
+        <p:blipFill>
+          <a:blip r:embed="rId4"/>
+          <a:stretch>
+            <a:fillRect/>
+          </a:stretch>
+        </p:blipFill>
+        <p:spPr>
+          <a:xfrm>
+            <a:off x="1019236" y="3753297"/>
+            <a:ext cx="7239485" cy="2283046"/>
+          </a:xfrm>
+          <a:prstGeom prst="rect">
+            <a:avLst/>
+          </a:prstGeom>
+        </p:spPr>
+      </p:pic>
+    </p:spTree>
+    <p:extLst>
+      <p:ext uri="{BB962C8B-B14F-4D97-AF65-F5344CB8AC3E}">
+        <p14:creationId xmlns:p14="http://schemas.microsoft.com/office/powerpoint/2010/main" val="3578716596"/>
+      </p:ext>
+    </p:extLst>
+  </p:cSld>
+  <p:clrMapOvr>
+    <a:masterClrMapping/>
+  </p:clrMapOvr>
+</p:sld>
+</file>
+
+<file path=ppt/slides/slide12.xml><?xml version="1.0" encoding="utf-8"?>
+<p:sld xmlns:a="http://schemas.openxmlformats.org/drawingml/2006/main" xmlns:r="http://schemas.openxmlformats.org/officeDocument/2006/relationships" xmlns:p="http://schemas.openxmlformats.org/presentationml/2006/main">
+  <p:cSld>
+    <p:spTree>
+      <p:nvGrpSpPr>
+        <p:cNvPr id="1" name=""/>
+        <p:cNvGrpSpPr/>
+        <p:nvPr/>
+      </p:nvGrpSpPr>
+      <p:grpSpPr>
+        <a:xfrm>
+          <a:off x="0" y="0"/>
+          <a:ext cx="0" cy="0"/>
+          <a:chOff x="0" y="0"/>
+          <a:chExt cx="0" cy="0"/>
+        </a:xfrm>
+      </p:grpSpPr>
+      <p:sp>
+        <p:nvSpPr>
+          <p:cNvPr id="2" name="Title 1">
+            <a:extLst>
+              <a:ext uri="{FF2B5EF4-FFF2-40B4-BE49-F238E27FC236}">
+                <a16:creationId xmlns:a16="http://schemas.microsoft.com/office/drawing/2014/main" id="{D6E667D3-3124-490B-B81F-0F19A1843C0D}"/>
+              </a:ext>
+            </a:extLst>
+          </p:cNvPr>
+          <p:cNvSpPr>
+            <a:spLocks noGrp="1"/>
+          </p:cNvSpPr>
+          <p:nvPr>
+            <p:ph type="title"/>
+          </p:nvPr>
+        </p:nvSpPr>
+        <p:spPr>
+          <a:xfrm>
+            <a:off x="838200" y="365125"/>
+            <a:ext cx="10515600" cy="665759"/>
+          </a:xfrm>
+        </p:spPr>
+        <p:txBody>
+          <a:bodyPr>
+            <a:normAutofit fontScale="90000"/>
+          </a:bodyPr>
+          <a:lstStyle/>
+          <a:p>
+            <a:r>
+              <a:rPr lang="en-US" dirty="0"/>
+              <a:t>Correlation</a:t>
+            </a:r>
+          </a:p>
+        </p:txBody>
+      </p:sp>
+      <p:sp>
+        <p:nvSpPr>
+          <p:cNvPr id="3" name="Content Placeholder 2">
+            <a:extLst>
+              <a:ext uri="{FF2B5EF4-FFF2-40B4-BE49-F238E27FC236}">
+                <a16:creationId xmlns:a16="http://schemas.microsoft.com/office/drawing/2014/main" id="{2B1F1013-B3B9-4C80-93B5-CBBC04811056}"/>
+              </a:ext>
+            </a:extLst>
+          </p:cNvPr>
+          <p:cNvSpPr>
+            <a:spLocks noGrp="1"/>
+          </p:cNvSpPr>
+          <p:nvPr>
+            <p:ph idx="1"/>
+          </p:nvPr>
+        </p:nvSpPr>
+        <p:spPr/>
+        <p:txBody>
+          <a:bodyPr/>
+          <a:lstStyle/>
+          <a:p>
+            <a:endParaRPr lang="en-US"/>
+          </a:p>
+        </p:txBody>
+      </p:sp>
+      <p:pic>
+        <p:nvPicPr>
+          <p:cNvPr id="4" name="Picture 3">
+            <a:extLst>
+              <a:ext uri="{FF2B5EF4-FFF2-40B4-BE49-F238E27FC236}">
+                <a16:creationId xmlns:a16="http://schemas.microsoft.com/office/drawing/2014/main" id="{90C8EBB5-1A0F-492E-83FE-B2862710EB3E}"/>
+              </a:ext>
+            </a:extLst>
+          </p:cNvPr>
+          <p:cNvPicPr>
+            <a:picLocks noChangeAspect="1"/>
+          </p:cNvPicPr>
+          <p:nvPr/>
+        </p:nvPicPr>
+        <p:blipFill>
+          <a:blip r:embed="rId2"/>
+          <a:stretch>
+            <a:fillRect/>
+          </a:stretch>
+        </p:blipFill>
+        <p:spPr>
+          <a:xfrm>
+            <a:off x="2842212" y="996317"/>
+            <a:ext cx="6272668" cy="5428200"/>
+          </a:xfrm>
+          <a:prstGeom prst="rect">
+            <a:avLst/>
+          </a:prstGeom>
+        </p:spPr>
+      </p:pic>
+    </p:spTree>
+    <p:extLst>
+      <p:ext uri="{BB962C8B-B14F-4D97-AF65-F5344CB8AC3E}">
+        <p14:creationId xmlns:p14="http://schemas.microsoft.com/office/powerpoint/2010/main" val="1527598566"/>
+      </p:ext>
+    </p:extLst>
+  </p:cSld>
+  <p:clrMapOvr>
+    <a:masterClrMapping/>
+  </p:clrMapOvr>
+</p:sld>
+</file>
+
+<file path=ppt/slides/slide13.xml><?xml version="1.0" encoding="utf-8"?>
+<p:sld xmlns:a="http://schemas.openxmlformats.org/drawingml/2006/main" xmlns:r="http://schemas.openxmlformats.org/officeDocument/2006/relationships" xmlns:p="http://schemas.openxmlformats.org/presentationml/2006/main">
+  <p:cSld>
+    <p:spTree>
+      <p:nvGrpSpPr>
+        <p:cNvPr id="1" name=""/>
+        <p:cNvGrpSpPr/>
+        <p:nvPr/>
+      </p:nvGrpSpPr>
+      <p:grpSpPr>
+        <a:xfrm>
+          <a:off x="0" y="0"/>
+          <a:ext cx="0" cy="0"/>
+          <a:chOff x="0" y="0"/>
+          <a:chExt cx="0" cy="0"/>
+        </a:xfrm>
+      </p:grpSpPr>
+      <p:sp>
+        <p:nvSpPr>
+          <p:cNvPr id="2" name="Title 1">
+            <a:extLst>
+              <a:ext uri="{FF2B5EF4-FFF2-40B4-BE49-F238E27FC236}">
+                <a16:creationId xmlns:a16="http://schemas.microsoft.com/office/drawing/2014/main" id="{9D35D146-1A67-4AAB-8CE7-5625E09E0817}"/>
+              </a:ext>
+            </a:extLst>
+          </p:cNvPr>
+          <p:cNvSpPr>
+            <a:spLocks noGrp="1"/>
+          </p:cNvSpPr>
+          <p:nvPr>
+            <p:ph type="title"/>
+          </p:nvPr>
+        </p:nvSpPr>
+        <p:spPr/>
+        <p:txBody>
+          <a:bodyPr/>
+          <a:lstStyle/>
+          <a:p>
+            <a:r>
+              <a:rPr lang="en-US" dirty="0"/>
+              <a:t>Model and Accuracy</a:t>
+            </a:r>
+          </a:p>
+        </p:txBody>
+      </p:sp>
+      <p:pic>
+        <p:nvPicPr>
+          <p:cNvPr id="4" name="Content Placeholder 3">
+            <a:extLst>
+              <a:ext uri="{FF2B5EF4-FFF2-40B4-BE49-F238E27FC236}">
+                <a16:creationId xmlns:a16="http://schemas.microsoft.com/office/drawing/2014/main" id="{A7FD7401-ADD7-4115-9BC3-72DED3A7F854}"/>
+              </a:ext>
+            </a:extLst>
+          </p:cNvPr>
+          <p:cNvPicPr>
+            <a:picLocks noGrp="1" noChangeAspect="1"/>
+          </p:cNvPicPr>
+          <p:nvPr>
+            <p:ph idx="1"/>
+          </p:nvPr>
+        </p:nvPicPr>
+        <p:blipFill>
+          <a:blip r:embed="rId2"/>
+          <a:stretch>
+            <a:fillRect/>
+          </a:stretch>
+        </p:blipFill>
+        <p:spPr>
+          <a:xfrm>
+            <a:off x="838200" y="1809151"/>
+            <a:ext cx="5008282" cy="3071532"/>
+          </a:xfrm>
+          <a:prstGeom prst="rect">
+            <a:avLst/>
+          </a:prstGeom>
+        </p:spPr>
+      </p:pic>
+      <p:pic>
+        <p:nvPicPr>
+          <p:cNvPr id="5" name="Picture 4">
+            <a:extLst>
+              <a:ext uri="{FF2B5EF4-FFF2-40B4-BE49-F238E27FC236}">
+                <a16:creationId xmlns:a16="http://schemas.microsoft.com/office/drawing/2014/main" id="{E2FDB384-2B9A-454C-91FA-E38586A1E2E4}"/>
+              </a:ext>
+            </a:extLst>
+          </p:cNvPr>
+          <p:cNvPicPr>
+            <a:picLocks noChangeAspect="1"/>
+          </p:cNvPicPr>
+          <p:nvPr/>
+        </p:nvPicPr>
+        <p:blipFill>
+          <a:blip r:embed="rId3"/>
+          <a:stretch>
+            <a:fillRect/>
+          </a:stretch>
+        </p:blipFill>
+        <p:spPr>
+          <a:xfrm>
+            <a:off x="5959890" y="1809151"/>
+            <a:ext cx="5321594" cy="3228465"/>
+          </a:xfrm>
+          <a:prstGeom prst="rect">
+            <a:avLst/>
+          </a:prstGeom>
+        </p:spPr>
+      </p:pic>
+    </p:spTree>
+    <p:extLst>
+      <p:ext uri="{BB962C8B-B14F-4D97-AF65-F5344CB8AC3E}">
+        <p14:creationId xmlns:p14="http://schemas.microsoft.com/office/powerpoint/2010/main" val="4041176487"/>
+      </p:ext>
+    </p:extLst>
+  </p:cSld>
+  <p:clrMapOvr>
+    <a:masterClrMapping/>
+  </p:clrMapOvr>
+</p:sld>
+</file>
+
+<file path=ppt/slides/slide14.xml><?xml version="1.0" encoding="utf-8"?>
+<p:sld xmlns:a="http://schemas.openxmlformats.org/drawingml/2006/main" xmlns:r="http://schemas.openxmlformats.org/officeDocument/2006/relationships" xmlns:p="http://schemas.openxmlformats.org/presentationml/2006/main">
+  <p:cSld>
+    <p:spTree>
+      <p:nvGrpSpPr>
+        <p:cNvPr id="1" name=""/>
+        <p:cNvGrpSpPr/>
+        <p:nvPr/>
+      </p:nvGrpSpPr>
+      <p:grpSpPr>
+        <a:xfrm>
+          <a:off x="0" y="0"/>
+          <a:ext cx="0" cy="0"/>
+          <a:chOff x="0" y="0"/>
+          <a:chExt cx="0" cy="0"/>
+        </a:xfrm>
+      </p:grpSpPr>
+      <p:sp>
+        <p:nvSpPr>
+          <p:cNvPr id="2" name="Title 1">
+            <a:extLst>
+              <a:ext uri="{FF2B5EF4-FFF2-40B4-BE49-F238E27FC236}">
+                <a16:creationId xmlns:a16="http://schemas.microsoft.com/office/drawing/2014/main" id="{52980407-9BFC-45E2-80AC-701B1A2FEB95}"/>
+              </a:ext>
+            </a:extLst>
+          </p:cNvPr>
+          <p:cNvSpPr>
+            <a:spLocks noGrp="1"/>
+          </p:cNvSpPr>
+          <p:nvPr>
+            <p:ph type="title"/>
+          </p:nvPr>
+        </p:nvSpPr>
+        <p:spPr/>
+        <p:txBody>
+          <a:bodyPr/>
+          <a:lstStyle/>
+          <a:p>
+            <a:r>
+              <a:rPr lang="en-US" dirty="0" err="1"/>
+              <a:t>Explainability</a:t>
+            </a:r>
+            <a:endParaRPr lang="en-US" dirty="0"/>
+          </a:p>
+        </p:txBody>
+      </p:sp>
+      <p:pic>
+        <p:nvPicPr>
+          <p:cNvPr id="6" name="Content Placeholder 5">
+            <a:extLst>
+              <a:ext uri="{FF2B5EF4-FFF2-40B4-BE49-F238E27FC236}">
+                <a16:creationId xmlns:a16="http://schemas.microsoft.com/office/drawing/2014/main" id="{4AB64014-7456-493A-BEB9-7674A0F0A7C7}"/>
+              </a:ext>
+            </a:extLst>
+          </p:cNvPr>
+          <p:cNvPicPr>
+            <a:picLocks noGrp="1" noChangeAspect="1"/>
+          </p:cNvPicPr>
+          <p:nvPr>
+            <p:ph idx="1"/>
+          </p:nvPr>
+        </p:nvPicPr>
+        <p:blipFill>
+          <a:blip r:embed="rId2"/>
+          <a:stretch>
+            <a:fillRect/>
+          </a:stretch>
+        </p:blipFill>
+        <p:spPr>
+          <a:xfrm>
+            <a:off x="3206547" y="1825625"/>
+            <a:ext cx="5778906" cy="4351338"/>
+          </a:xfrm>
+          <a:prstGeom prst="rect">
+            <a:avLst/>
+          </a:prstGeom>
+        </p:spPr>
+      </p:pic>
+    </p:spTree>
+    <p:extLst>
+      <p:ext uri="{BB962C8B-B14F-4D97-AF65-F5344CB8AC3E}">
+        <p14:creationId xmlns:p14="http://schemas.microsoft.com/office/powerpoint/2010/main" val="898002991"/>
+      </p:ext>
+    </p:extLst>
+  </p:cSld>
+  <p:clrMapOvr>
+    <a:masterClrMapping/>
+  </p:clrMapOvr>
+</p:sld>
+</file>
+
+<file path=ppt/slides/slide15.xml><?xml version="1.0" encoding="utf-8"?>
+<p:sld xmlns:a="http://schemas.openxmlformats.org/drawingml/2006/main" xmlns:r="http://schemas.openxmlformats.org/officeDocument/2006/relationships" xmlns:p="http://schemas.openxmlformats.org/presentationml/2006/main">
+  <p:cSld>
+    <p:spTree>
+      <p:nvGrpSpPr>
+        <p:cNvPr id="1" name=""/>
+        <p:cNvGrpSpPr/>
+        <p:nvPr/>
+      </p:nvGrpSpPr>
+      <p:grpSpPr>
+        <a:xfrm>
+          <a:off x="0" y="0"/>
+          <a:ext cx="0" cy="0"/>
+          <a:chOff x="0" y="0"/>
+          <a:chExt cx="0" cy="0"/>
+        </a:xfrm>
+      </p:grpSpPr>
+      <p:sp>
+        <p:nvSpPr>
+          <p:cNvPr id="2" name="Title 1">
+            <a:extLst>
+              <a:ext uri="{FF2B5EF4-FFF2-40B4-BE49-F238E27FC236}">
+                <a16:creationId xmlns:a16="http://schemas.microsoft.com/office/drawing/2014/main" id="{B49E963D-A6E4-40DA-A8C2-3ACA7EC657A7}"/>
+              </a:ext>
+            </a:extLst>
+          </p:cNvPr>
+          <p:cNvSpPr>
+            <a:spLocks noGrp="1"/>
+          </p:cNvSpPr>
+          <p:nvPr>
+            <p:ph type="title"/>
+          </p:nvPr>
+        </p:nvSpPr>
+        <p:spPr/>
+        <p:txBody>
+          <a:bodyPr/>
+          <a:lstStyle/>
+          <a:p>
+            <a:r>
+              <a:rPr lang="en-US" dirty="0"/>
+              <a:t>Model Performance</a:t>
+            </a:r>
+          </a:p>
+        </p:txBody>
+      </p:sp>
+      <p:sp>
+        <p:nvSpPr>
+          <p:cNvPr id="3" name="Content Placeholder 2">
+            <a:extLst>
+              <a:ext uri="{FF2B5EF4-FFF2-40B4-BE49-F238E27FC236}">
+                <a16:creationId xmlns:a16="http://schemas.microsoft.com/office/drawing/2014/main" id="{7861FB1D-A429-4449-99F9-2A661C04E87E}"/>
+              </a:ext>
+            </a:extLst>
+          </p:cNvPr>
+          <p:cNvSpPr>
+            <a:spLocks noGrp="1"/>
+          </p:cNvSpPr>
+          <p:nvPr>
+            <p:ph idx="1"/>
+          </p:nvPr>
+        </p:nvSpPr>
+        <p:spPr/>
+        <p:txBody>
+          <a:bodyPr/>
+          <a:lstStyle/>
+          <a:p>
+            <a:endParaRPr lang="en-US"/>
+          </a:p>
+        </p:txBody>
+      </p:sp>
+      <p:pic>
+        <p:nvPicPr>
+          <p:cNvPr id="4" name="Picture 3">
+            <a:extLst>
+              <a:ext uri="{FF2B5EF4-FFF2-40B4-BE49-F238E27FC236}">
+                <a16:creationId xmlns:a16="http://schemas.microsoft.com/office/drawing/2014/main" id="{27F1EFCE-CE3A-43AB-82CB-4581FFC0D7C0}"/>
+              </a:ext>
+            </a:extLst>
+          </p:cNvPr>
+          <p:cNvPicPr>
+            <a:picLocks noChangeAspect="1"/>
+          </p:cNvPicPr>
+          <p:nvPr/>
+        </p:nvPicPr>
+        <p:blipFill>
+          <a:blip r:embed="rId2"/>
+          <a:stretch>
+            <a:fillRect/>
+          </a:stretch>
+        </p:blipFill>
+        <p:spPr>
+          <a:xfrm>
+            <a:off x="1155725" y="1939462"/>
+            <a:ext cx="4761668" cy="3692457"/>
+          </a:xfrm>
+          <a:prstGeom prst="rect">
+            <a:avLst/>
+          </a:prstGeom>
+        </p:spPr>
+      </p:pic>
+      <p:pic>
+        <p:nvPicPr>
+          <p:cNvPr id="5" name="Picture 4">
+            <a:extLst>
+              <a:ext uri="{FF2B5EF4-FFF2-40B4-BE49-F238E27FC236}">
+                <a16:creationId xmlns:a16="http://schemas.microsoft.com/office/drawing/2014/main" id="{F0F290C7-D3A8-4054-86A0-4A31D73309B2}"/>
+              </a:ext>
+            </a:extLst>
+          </p:cNvPr>
+          <p:cNvPicPr>
+            <a:picLocks noChangeAspect="1"/>
+          </p:cNvPicPr>
+          <p:nvPr/>
+        </p:nvPicPr>
+        <p:blipFill>
+          <a:blip r:embed="rId3"/>
+          <a:stretch>
+            <a:fillRect/>
+          </a:stretch>
+        </p:blipFill>
+        <p:spPr>
+          <a:xfrm>
+            <a:off x="6191298" y="1830520"/>
+            <a:ext cx="5084360" cy="4131654"/>
+          </a:xfrm>
+          <a:prstGeom prst="rect">
+            <a:avLst/>
+          </a:prstGeom>
+        </p:spPr>
+      </p:pic>
+    </p:spTree>
+    <p:extLst>
+      <p:ext uri="{BB962C8B-B14F-4D97-AF65-F5344CB8AC3E}">
+        <p14:creationId xmlns:p14="http://schemas.microsoft.com/office/powerpoint/2010/main" val="3695279596"/>
+      </p:ext>
+    </p:extLst>
+  </p:cSld>
+  <p:clrMapOvr>
+    <a:masterClrMapping/>
+  </p:clrMapOvr>
+</p:sld>
+</file>
+
+<file path=ppt/slides/slide16.xml><?xml version="1.0" encoding="utf-8"?>
+<p:sld xmlns:a="http://schemas.openxmlformats.org/drawingml/2006/main" xmlns:r="http://schemas.openxmlformats.org/officeDocument/2006/relationships" xmlns:p="http://schemas.openxmlformats.org/presentationml/2006/main">
+  <p:cSld>
+    <p:spTree>
+      <p:nvGrpSpPr>
+        <p:cNvPr id="1" name=""/>
+        <p:cNvGrpSpPr/>
+        <p:nvPr/>
+      </p:nvGrpSpPr>
+      <p:grpSpPr>
+        <a:xfrm>
+          <a:off x="0" y="0"/>
+          <a:ext cx="0" cy="0"/>
+          <a:chOff x="0" y="0"/>
+          <a:chExt cx="0" cy="0"/>
+        </a:xfrm>
+      </p:grpSpPr>
+      <p:sp>
+        <p:nvSpPr>
+          <p:cNvPr id="2" name="Title 1">
+            <a:extLst>
+              <a:ext uri="{FF2B5EF4-FFF2-40B4-BE49-F238E27FC236}">
+                <a16:creationId xmlns:a16="http://schemas.microsoft.com/office/drawing/2014/main" id="{A0B1E833-2866-406B-8762-5A253BB430BA}"/>
+              </a:ext>
+            </a:extLst>
+          </p:cNvPr>
+          <p:cNvSpPr>
+            <a:spLocks noGrp="1"/>
+          </p:cNvSpPr>
+          <p:nvPr>
+            <p:ph type="title"/>
+          </p:nvPr>
+        </p:nvSpPr>
+        <p:spPr>
+          <a:xfrm>
+            <a:off x="838200" y="365125"/>
+            <a:ext cx="10515600" cy="613341"/>
+          </a:xfrm>
+        </p:spPr>
+        <p:txBody>
+          <a:bodyPr>
+            <a:normAutofit fontScale="90000"/>
+          </a:bodyPr>
+          <a:lstStyle/>
+          <a:p>
+            <a:r>
+              <a:rPr lang="en-US" dirty="0"/>
+              <a:t>Aggregate Feature Importance</a:t>
+            </a:r>
+          </a:p>
+        </p:txBody>
+      </p:sp>
+      <p:pic>
+        <p:nvPicPr>
+          <p:cNvPr id="4" name="Picture 3">
+            <a:extLst>
+              <a:ext uri="{FF2B5EF4-FFF2-40B4-BE49-F238E27FC236}">
+                <a16:creationId xmlns:a16="http://schemas.microsoft.com/office/drawing/2014/main" id="{7813EDA2-9256-4946-9242-BB0452CCE567}"/>
+              </a:ext>
+            </a:extLst>
+          </p:cNvPr>
+          <p:cNvPicPr>
+            <a:picLocks noChangeAspect="1"/>
+          </p:cNvPicPr>
+          <p:nvPr/>
+        </p:nvPicPr>
+        <p:blipFill>
+          <a:blip r:embed="rId2"/>
+          <a:stretch>
+            <a:fillRect/>
+          </a:stretch>
+        </p:blipFill>
+        <p:spPr>
+          <a:xfrm>
+            <a:off x="1893447" y="1159017"/>
+            <a:ext cx="7017585" cy="5437289"/>
+          </a:xfrm>
+          <a:prstGeom prst="rect">
+            <a:avLst/>
+          </a:prstGeom>
+        </p:spPr>
+      </p:pic>
+    </p:spTree>
+    <p:extLst>
+      <p:ext uri="{BB962C8B-B14F-4D97-AF65-F5344CB8AC3E}">
+        <p14:creationId xmlns:p14="http://schemas.microsoft.com/office/powerpoint/2010/main" val="1831821500"/>
+      </p:ext>
+    </p:extLst>
+  </p:cSld>
+  <p:clrMapOvr>
+    <a:masterClrMapping/>
+  </p:clrMapOvr>
+</p:sld>
+</file>
+
+<file path=ppt/slides/slide17.xml><?xml version="1.0" encoding="utf-8"?>
+<p:sld xmlns:a="http://schemas.openxmlformats.org/drawingml/2006/main" xmlns:r="http://schemas.openxmlformats.org/officeDocument/2006/relationships" xmlns:p="http://schemas.openxmlformats.org/presentationml/2006/main">
+  <p:cSld>
+    <p:spTree>
+      <p:nvGrpSpPr>
+        <p:cNvPr id="1" name=""/>
+        <p:cNvGrpSpPr/>
+        <p:nvPr/>
+      </p:nvGrpSpPr>
+      <p:grpSpPr>
+        <a:xfrm>
+          <a:off x="0" y="0"/>
+          <a:ext cx="0" cy="0"/>
+          <a:chOff x="0" y="0"/>
+          <a:chExt cx="0" cy="0"/>
+        </a:xfrm>
+      </p:grpSpPr>
+      <p:sp>
+        <p:nvSpPr>
+          <p:cNvPr id="2" name="Title 1">
+            <a:extLst>
+              <a:ext uri="{FF2B5EF4-FFF2-40B4-BE49-F238E27FC236}">
+                <a16:creationId xmlns:a16="http://schemas.microsoft.com/office/drawing/2014/main" id="{B6E2982A-1496-4C4A-818D-7BC6CFEF702D}"/>
+              </a:ext>
+            </a:extLst>
+          </p:cNvPr>
+          <p:cNvSpPr>
+            <a:spLocks noGrp="1"/>
+          </p:cNvSpPr>
+          <p:nvPr>
+            <p:ph type="title"/>
+          </p:nvPr>
+        </p:nvSpPr>
+        <p:spPr>
+          <a:xfrm>
+            <a:off x="838200" y="365126"/>
+            <a:ext cx="10515600" cy="689056"/>
+          </a:xfrm>
+        </p:spPr>
+        <p:txBody>
+          <a:bodyPr>
+            <a:normAutofit fontScale="90000"/>
+          </a:bodyPr>
+          <a:lstStyle/>
+          <a:p>
+            <a:r>
+              <a:rPr lang="en-US" dirty="0"/>
+              <a:t>Feature Importance - Individual</a:t>
+            </a:r>
+          </a:p>
+        </p:txBody>
+      </p:sp>
+      <p:pic>
+        <p:nvPicPr>
+          <p:cNvPr id="4" name="Picture 3">
+            <a:extLst>
+              <a:ext uri="{FF2B5EF4-FFF2-40B4-BE49-F238E27FC236}">
+                <a16:creationId xmlns:a16="http://schemas.microsoft.com/office/drawing/2014/main" id="{488362DA-2454-416B-B3F7-1BF7F757DF78}"/>
+              </a:ext>
+            </a:extLst>
+          </p:cNvPr>
+          <p:cNvPicPr>
+            <a:picLocks noChangeAspect="1"/>
+          </p:cNvPicPr>
+          <p:nvPr/>
+        </p:nvPicPr>
+        <p:blipFill>
+          <a:blip r:embed="rId2"/>
+          <a:stretch>
+            <a:fillRect/>
+          </a:stretch>
+        </p:blipFill>
+        <p:spPr>
+          <a:xfrm>
+            <a:off x="2508339" y="1547116"/>
+            <a:ext cx="6827861" cy="4908355"/>
+          </a:xfrm>
+          <a:prstGeom prst="rect">
+            <a:avLst/>
+          </a:prstGeom>
+        </p:spPr>
+      </p:pic>
+    </p:spTree>
+    <p:extLst>
+      <p:ext uri="{BB962C8B-B14F-4D97-AF65-F5344CB8AC3E}">
+        <p14:creationId xmlns:p14="http://schemas.microsoft.com/office/powerpoint/2010/main" val="612467034"/>
+      </p:ext>
+    </p:extLst>
+  </p:cSld>
+  <p:clrMapOvr>
+    <a:masterClrMapping/>
+  </p:clrMapOvr>
+</p:sld>
+</file>
+
+<file path=ppt/slides/slide18.xml><?xml version="1.0" encoding="utf-8"?>
+<p:sld xmlns:a="http://schemas.openxmlformats.org/drawingml/2006/main" xmlns:r="http://schemas.openxmlformats.org/officeDocument/2006/relationships" xmlns:p="http://schemas.openxmlformats.org/presentationml/2006/main">
+  <p:cSld>
+    <p:spTree>
+      <p:nvGrpSpPr>
+        <p:cNvPr id="1" name=""/>
+        <p:cNvGrpSpPr/>
+        <p:nvPr/>
+      </p:nvGrpSpPr>
+      <p:grpSpPr>
+        <a:xfrm>
+          <a:off x="0" y="0"/>
+          <a:ext cx="0" cy="0"/>
+          <a:chOff x="0" y="0"/>
+          <a:chExt cx="0" cy="0"/>
+        </a:xfrm>
+      </p:grpSpPr>
+      <p:sp>
+        <p:nvSpPr>
+          <p:cNvPr id="2" name="Title 1">
+            <a:extLst>
+              <a:ext uri="{FF2B5EF4-FFF2-40B4-BE49-F238E27FC236}">
+                <a16:creationId xmlns:a16="http://schemas.microsoft.com/office/drawing/2014/main" id="{0BCFEAC2-857A-4183-AC75-C38C178C8E19}"/>
+              </a:ext>
+            </a:extLst>
+          </p:cNvPr>
+          <p:cNvSpPr>
+            <a:spLocks noGrp="1"/>
+          </p:cNvSpPr>
+          <p:nvPr>
+            <p:ph type="title"/>
+          </p:nvPr>
+        </p:nvSpPr>
+        <p:spPr>
+          <a:xfrm>
+            <a:off x="838200" y="365125"/>
+            <a:ext cx="10515600" cy="881255"/>
+          </a:xfrm>
+        </p:spPr>
+        <p:txBody>
+          <a:bodyPr/>
+          <a:lstStyle/>
+          <a:p>
+            <a:r>
+              <a:rPr lang="en-US" dirty="0" err="1"/>
+              <a:t>LightGBM</a:t>
+            </a:r>
+            <a:r>
+              <a:rPr lang="en-US" dirty="0"/>
+              <a:t> features importance</a:t>
+            </a:r>
+          </a:p>
+        </p:txBody>
+      </p:sp>
+      <p:pic>
+        <p:nvPicPr>
+          <p:cNvPr id="4" name="Content Placeholder 3">
+            <a:extLst>
+              <a:ext uri="{FF2B5EF4-FFF2-40B4-BE49-F238E27FC236}">
+                <a16:creationId xmlns:a16="http://schemas.microsoft.com/office/drawing/2014/main" id="{8619F292-9CAE-43A0-893F-0CD76B1F1166}"/>
+              </a:ext>
+            </a:extLst>
+          </p:cNvPr>
+          <p:cNvPicPr>
+            <a:picLocks noGrp="1" noChangeAspect="1"/>
+          </p:cNvPicPr>
+          <p:nvPr>
+            <p:ph idx="1"/>
+          </p:nvPr>
+        </p:nvPicPr>
+        <p:blipFill>
+          <a:blip r:embed="rId2"/>
+          <a:stretch>
+            <a:fillRect/>
+          </a:stretch>
+        </p:blipFill>
+        <p:spPr>
+          <a:xfrm>
+            <a:off x="838200" y="2207310"/>
+            <a:ext cx="10515600" cy="3587967"/>
+          </a:xfrm>
+          <a:prstGeom prst="rect">
+            <a:avLst/>
+          </a:prstGeom>
+        </p:spPr>
+      </p:pic>
+    </p:spTree>
+    <p:extLst>
+      <p:ext uri="{BB962C8B-B14F-4D97-AF65-F5344CB8AC3E}">
+        <p14:creationId xmlns:p14="http://schemas.microsoft.com/office/powerpoint/2010/main" val="531293866"/>
+      </p:ext>
+    </p:extLst>
+  </p:cSld>
+  <p:clrMapOvr>
+    <a:masterClrMapping/>
+  </p:clrMapOvr>
+</p:sld>
+</file>
+
+<file path=ppt/slides/slide19.xml><?xml version="1.0" encoding="utf-8"?>
+<p:sld xmlns:a="http://schemas.openxmlformats.org/drawingml/2006/main" xmlns:r="http://schemas.openxmlformats.org/officeDocument/2006/relationships" xmlns:p="http://schemas.openxmlformats.org/presentationml/2006/main">
+  <p:cSld>
+    <p:spTree>
+      <p:nvGrpSpPr>
+        <p:cNvPr id="1" name=""/>
+        <p:cNvGrpSpPr/>
+        <p:nvPr/>
+      </p:nvGrpSpPr>
+      <p:grpSpPr>
+        <a:xfrm>
+          <a:off x="0" y="0"/>
+          <a:ext cx="0" cy="0"/>
+          <a:chOff x="0" y="0"/>
+          <a:chExt cx="0" cy="0"/>
+        </a:xfrm>
+      </p:grpSpPr>
+      <p:sp>
+        <p:nvSpPr>
+          <p:cNvPr id="2" name="Title 1">
+            <a:extLst>
+              <a:ext uri="{FF2B5EF4-FFF2-40B4-BE49-F238E27FC236}">
+                <a16:creationId xmlns:a16="http://schemas.microsoft.com/office/drawing/2014/main" id="{ED1D030A-B403-47FB-B0CD-34F10E91CE73}"/>
+              </a:ext>
+            </a:extLst>
+          </p:cNvPr>
+          <p:cNvSpPr>
+            <a:spLocks noGrp="1"/>
+          </p:cNvSpPr>
+          <p:nvPr>
+            <p:ph type="title"/>
+          </p:nvPr>
+        </p:nvSpPr>
+        <p:spPr/>
+        <p:txBody>
+          <a:bodyPr/>
+          <a:lstStyle/>
+          <a:p>
+            <a:r>
+              <a:rPr lang="en-US" dirty="0"/>
+              <a:t>Fairness using Fair Learn</a:t>
+            </a:r>
+          </a:p>
+        </p:txBody>
+      </p:sp>
+      <p:pic>
+        <p:nvPicPr>
+          <p:cNvPr id="5" name="Content Placeholder 4">
+            <a:extLst>
+              <a:ext uri="{FF2B5EF4-FFF2-40B4-BE49-F238E27FC236}">
+                <a16:creationId xmlns:a16="http://schemas.microsoft.com/office/drawing/2014/main" id="{DDE03F1C-D224-42EA-9CF2-0E36E5E874BE}"/>
+              </a:ext>
+            </a:extLst>
+          </p:cNvPr>
+          <p:cNvPicPr>
+            <a:picLocks noGrp="1" noChangeAspect="1"/>
+          </p:cNvPicPr>
+          <p:nvPr>
+            <p:ph idx="1"/>
+          </p:nvPr>
+        </p:nvPicPr>
+        <p:blipFill>
+          <a:blip r:embed="rId2"/>
+          <a:stretch>
+            <a:fillRect/>
+          </a:stretch>
+        </p:blipFill>
+        <p:spPr>
+          <a:xfrm>
+            <a:off x="838200" y="1750770"/>
+            <a:ext cx="6002333" cy="1586499"/>
+          </a:xfrm>
+          <a:prstGeom prst="rect">
+            <a:avLst/>
+          </a:prstGeom>
+        </p:spPr>
+      </p:pic>
+      <p:pic>
+        <p:nvPicPr>
+          <p:cNvPr id="4" name="Picture 3">
+            <a:extLst>
+              <a:ext uri="{FF2B5EF4-FFF2-40B4-BE49-F238E27FC236}">
+                <a16:creationId xmlns:a16="http://schemas.microsoft.com/office/drawing/2014/main" id="{6F7D90AD-DCE2-4C40-94C3-E34ECFF6A394}"/>
+              </a:ext>
+            </a:extLst>
+          </p:cNvPr>
+          <p:cNvPicPr>
+            <a:picLocks noChangeAspect="1"/>
+          </p:cNvPicPr>
+          <p:nvPr/>
+        </p:nvPicPr>
+        <p:blipFill>
+          <a:blip r:embed="rId3"/>
+          <a:stretch>
+            <a:fillRect/>
+          </a:stretch>
+        </p:blipFill>
+        <p:spPr>
+          <a:xfrm>
+            <a:off x="838200" y="3852685"/>
+            <a:ext cx="7152122" cy="1354719"/>
+          </a:xfrm>
+          <a:prstGeom prst="rect">
+            <a:avLst/>
+          </a:prstGeom>
+        </p:spPr>
+      </p:pic>
+      <p:pic>
+        <p:nvPicPr>
+          <p:cNvPr id="6" name="Picture 5">
+            <a:extLst>
+              <a:ext uri="{FF2B5EF4-FFF2-40B4-BE49-F238E27FC236}">
+                <a16:creationId xmlns:a16="http://schemas.microsoft.com/office/drawing/2014/main" id="{FF01BF7E-DC82-4E2C-96C9-D68E526ADF49}"/>
+              </a:ext>
+            </a:extLst>
+          </p:cNvPr>
+          <p:cNvPicPr>
+            <a:picLocks noChangeAspect="1"/>
+          </p:cNvPicPr>
+          <p:nvPr/>
+        </p:nvPicPr>
+        <p:blipFill>
+          <a:blip r:embed="rId4"/>
+          <a:stretch>
+            <a:fillRect/>
+          </a:stretch>
+        </p:blipFill>
+        <p:spPr>
+          <a:xfrm>
+            <a:off x="6919152" y="1198396"/>
+            <a:ext cx="5170125" cy="2691245"/>
+          </a:xfrm>
+          <a:prstGeom prst="rect">
+            <a:avLst/>
+          </a:prstGeom>
+        </p:spPr>
+      </p:pic>
+    </p:spTree>
+    <p:extLst>
+      <p:ext uri="{BB962C8B-B14F-4D97-AF65-F5344CB8AC3E}">
+        <p14:creationId xmlns:p14="http://schemas.microsoft.com/office/powerpoint/2010/main" val="313232061"/>
+      </p:ext>
+    </p:extLst>
+  </p:cSld>
+  <p:clrMapOvr>
+    <a:masterClrMapping/>
+  </p:clrMapOvr>
+</p:sld>
+</file>
+
 <file path=ppt/slides/slide2.xml><?xml version="1.0" encoding="utf-8"?>
 <p:sld xmlns:a="http://schemas.openxmlformats.org/drawingml/2006/main" xmlns:r="http://schemas.openxmlformats.org/officeDocument/2006/relationships" xmlns:p="http://schemas.openxmlformats.org/presentationml/2006/main">
   <p:cSld>
@@ -3829,6 +5172,1405 @@
     <p:extLst>
       <p:ext uri="{BB962C8B-B14F-4D97-AF65-F5344CB8AC3E}">
         <p14:creationId xmlns:p14="http://schemas.microsoft.com/office/powerpoint/2010/main" val="3775217306"/>
+      </p:ext>
+    </p:extLst>
+  </p:cSld>
+  <p:clrMapOvr>
+    <a:masterClrMapping/>
+  </p:clrMapOvr>
+</p:sld>
+</file>
+
+<file path=ppt/slides/slide5.xml><?xml version="1.0" encoding="utf-8"?>
+<p:sld xmlns:a="http://schemas.openxmlformats.org/drawingml/2006/main" xmlns:r="http://schemas.openxmlformats.org/officeDocument/2006/relationships" xmlns:p="http://schemas.openxmlformats.org/presentationml/2006/main">
+  <p:cSld>
+    <p:spTree>
+      <p:nvGrpSpPr>
+        <p:cNvPr id="1" name=""/>
+        <p:cNvGrpSpPr/>
+        <p:nvPr/>
+      </p:nvGrpSpPr>
+      <p:grpSpPr>
+        <a:xfrm>
+          <a:off x="0" y="0"/>
+          <a:ext cx="0" cy="0"/>
+          <a:chOff x="0" y="0"/>
+          <a:chExt cx="0" cy="0"/>
+        </a:xfrm>
+      </p:grpSpPr>
+      <p:sp>
+        <p:nvSpPr>
+          <p:cNvPr id="2" name="Title 1">
+            <a:extLst>
+              <a:ext uri="{FF2B5EF4-FFF2-40B4-BE49-F238E27FC236}">
+                <a16:creationId xmlns:a16="http://schemas.microsoft.com/office/drawing/2014/main" id="{8E90AF5E-361A-4677-88C6-B4CCF5FAB8AA}"/>
+              </a:ext>
+            </a:extLst>
+          </p:cNvPr>
+          <p:cNvSpPr>
+            <a:spLocks noGrp="1"/>
+          </p:cNvSpPr>
+          <p:nvPr>
+            <p:ph type="title"/>
+          </p:nvPr>
+        </p:nvSpPr>
+        <p:spPr/>
+        <p:txBody>
+          <a:bodyPr/>
+          <a:lstStyle/>
+          <a:p>
+            <a:endParaRPr lang="en-US"/>
+          </a:p>
+        </p:txBody>
+      </p:sp>
+      <p:sp>
+        <p:nvSpPr>
+          <p:cNvPr id="3" name="Content Placeholder 2">
+            <a:extLst>
+              <a:ext uri="{FF2B5EF4-FFF2-40B4-BE49-F238E27FC236}">
+                <a16:creationId xmlns:a16="http://schemas.microsoft.com/office/drawing/2014/main" id="{4D492F4E-CF75-4144-9576-483389CE3D32}"/>
+              </a:ext>
+            </a:extLst>
+          </p:cNvPr>
+          <p:cNvSpPr>
+            <a:spLocks noGrp="1"/>
+          </p:cNvSpPr>
+          <p:nvPr>
+            <p:ph idx="1"/>
+          </p:nvPr>
+        </p:nvSpPr>
+        <p:spPr/>
+        <p:txBody>
+          <a:bodyPr/>
+          <a:lstStyle/>
+          <a:p>
+            <a:endParaRPr lang="en-US"/>
+          </a:p>
+        </p:txBody>
+      </p:sp>
+      <p:pic>
+        <p:nvPicPr>
+          <p:cNvPr id="4" name="Picture 3">
+            <a:extLst>
+              <a:ext uri="{FF2B5EF4-FFF2-40B4-BE49-F238E27FC236}">
+                <a16:creationId xmlns:a16="http://schemas.microsoft.com/office/drawing/2014/main" id="{4C176407-C0D0-4DB1-A4CF-6BAC1535BD7A}"/>
+              </a:ext>
+            </a:extLst>
+          </p:cNvPr>
+          <p:cNvPicPr>
+            <a:picLocks noChangeAspect="1"/>
+          </p:cNvPicPr>
+          <p:nvPr/>
+        </p:nvPicPr>
+        <p:blipFill>
+          <a:blip r:embed="rId2"/>
+          <a:stretch>
+            <a:fillRect/>
+          </a:stretch>
+        </p:blipFill>
+        <p:spPr>
+          <a:xfrm>
+            <a:off x="2475359" y="0"/>
+            <a:ext cx="7241281" cy="6858000"/>
+          </a:xfrm>
+          <a:prstGeom prst="rect">
+            <a:avLst/>
+          </a:prstGeom>
+        </p:spPr>
+      </p:pic>
+    </p:spTree>
+    <p:extLst>
+      <p:ext uri="{BB962C8B-B14F-4D97-AF65-F5344CB8AC3E}">
+        <p14:creationId xmlns:p14="http://schemas.microsoft.com/office/powerpoint/2010/main" val="3390585634"/>
+      </p:ext>
+    </p:extLst>
+  </p:cSld>
+  <p:clrMapOvr>
+    <a:masterClrMapping/>
+  </p:clrMapOvr>
+</p:sld>
+</file>
+
+<file path=ppt/slides/slide6.xml><?xml version="1.0" encoding="utf-8"?>
+<p:sld xmlns:a="http://schemas.openxmlformats.org/drawingml/2006/main" xmlns:r="http://schemas.openxmlformats.org/officeDocument/2006/relationships" xmlns:p="http://schemas.openxmlformats.org/presentationml/2006/main">
+  <p:cSld>
+    <p:spTree>
+      <p:nvGrpSpPr>
+        <p:cNvPr id="1" name=""/>
+        <p:cNvGrpSpPr/>
+        <p:nvPr/>
+      </p:nvGrpSpPr>
+      <p:grpSpPr>
+        <a:xfrm>
+          <a:off x="0" y="0"/>
+          <a:ext cx="0" cy="0"/>
+          <a:chOff x="0" y="0"/>
+          <a:chExt cx="0" cy="0"/>
+        </a:xfrm>
+      </p:grpSpPr>
+      <p:sp>
+        <p:nvSpPr>
+          <p:cNvPr id="2" name="Title 1">
+            <a:extLst>
+              <a:ext uri="{FF2B5EF4-FFF2-40B4-BE49-F238E27FC236}">
+                <a16:creationId xmlns:a16="http://schemas.microsoft.com/office/drawing/2014/main" id="{C0E91A87-8C4B-4E36-B1D2-C546F9DAA54E}"/>
+              </a:ext>
+            </a:extLst>
+          </p:cNvPr>
+          <p:cNvSpPr>
+            <a:spLocks noGrp="1"/>
+          </p:cNvSpPr>
+          <p:nvPr>
+            <p:ph type="title"/>
+          </p:nvPr>
+        </p:nvSpPr>
+        <p:spPr/>
+        <p:txBody>
+          <a:bodyPr/>
+          <a:lstStyle/>
+          <a:p>
+            <a:r>
+              <a:rPr lang="en-US" dirty="0"/>
+              <a:t>Output Metrics</a:t>
+            </a:r>
+          </a:p>
+        </p:txBody>
+      </p:sp>
+      <p:pic>
+        <p:nvPicPr>
+          <p:cNvPr id="4" name="Content Placeholder 3">
+            <a:extLst>
+              <a:ext uri="{FF2B5EF4-FFF2-40B4-BE49-F238E27FC236}">
+                <a16:creationId xmlns:a16="http://schemas.microsoft.com/office/drawing/2014/main" id="{3F894CF8-22DE-4868-BF52-9E11422F8C2D}"/>
+              </a:ext>
+            </a:extLst>
+          </p:cNvPr>
+          <p:cNvPicPr>
+            <a:picLocks noGrp="1" noChangeAspect="1"/>
+          </p:cNvPicPr>
+          <p:nvPr>
+            <p:ph idx="1"/>
+          </p:nvPr>
+        </p:nvPicPr>
+        <p:blipFill>
+          <a:blip r:embed="rId2"/>
+          <a:stretch>
+            <a:fillRect/>
+          </a:stretch>
+        </p:blipFill>
+        <p:spPr>
+          <a:xfrm>
+            <a:off x="608150" y="1978025"/>
+            <a:ext cx="4897073" cy="3322638"/>
+          </a:xfrm>
+          <a:prstGeom prst="rect">
+            <a:avLst/>
+          </a:prstGeom>
+        </p:spPr>
+      </p:pic>
+      <p:sp>
+        <p:nvSpPr>
+          <p:cNvPr id="5" name="TextBox 4">
+            <a:extLst>
+              <a:ext uri="{FF2B5EF4-FFF2-40B4-BE49-F238E27FC236}">
+                <a16:creationId xmlns:a16="http://schemas.microsoft.com/office/drawing/2014/main" id="{6C639CA5-A4A7-4030-AA99-FFDFABE98505}"/>
+              </a:ext>
+            </a:extLst>
+          </p:cNvPr>
+          <p:cNvSpPr txBox="1"/>
+          <p:nvPr/>
+        </p:nvSpPr>
+        <p:spPr>
+          <a:xfrm>
+            <a:off x="6134100" y="2052638"/>
+            <a:ext cx="3367088" cy="1477328"/>
+          </a:xfrm>
+          <a:prstGeom prst="rect">
+            <a:avLst/>
+          </a:prstGeom>
+          <a:noFill/>
+        </p:spPr>
+        <p:txBody>
+          <a:bodyPr wrap="square" rtlCol="0">
+            <a:spAutoFit/>
+          </a:bodyPr>
+          <a:lstStyle/>
+          <a:p>
+            <a:r>
+              <a:rPr lang="en-US" dirty="0"/>
+              <a:t>RMSE – Root Mean Squared Error is pretty log</a:t>
+            </a:r>
+          </a:p>
+          <a:p>
+            <a:r>
+              <a:rPr lang="en-US" dirty="0"/>
+              <a:t>Predicted value could be in the range of +-0.3</a:t>
+            </a:r>
+          </a:p>
+          <a:p>
+            <a:endParaRPr lang="en-US" dirty="0"/>
+          </a:p>
+        </p:txBody>
+      </p:sp>
+    </p:spTree>
+    <p:extLst>
+      <p:ext uri="{BB962C8B-B14F-4D97-AF65-F5344CB8AC3E}">
+        <p14:creationId xmlns:p14="http://schemas.microsoft.com/office/powerpoint/2010/main" val="1197443616"/>
+      </p:ext>
+    </p:extLst>
+  </p:cSld>
+  <p:clrMapOvr>
+    <a:masterClrMapping/>
+  </p:clrMapOvr>
+</p:sld>
+</file>
+
+<file path=ppt/slides/slide7.xml><?xml version="1.0" encoding="utf-8"?>
+<p:sld xmlns:a="http://schemas.openxmlformats.org/drawingml/2006/main" xmlns:r="http://schemas.openxmlformats.org/officeDocument/2006/relationships" xmlns:p="http://schemas.openxmlformats.org/presentationml/2006/main">
+  <p:cSld>
+    <p:spTree>
+      <p:nvGrpSpPr>
+        <p:cNvPr id="1" name=""/>
+        <p:cNvGrpSpPr/>
+        <p:nvPr/>
+      </p:nvGrpSpPr>
+      <p:grpSpPr>
+        <a:xfrm>
+          <a:off x="0" y="0"/>
+          <a:ext cx="0" cy="0"/>
+          <a:chOff x="0" y="0"/>
+          <a:chExt cx="0" cy="0"/>
+        </a:xfrm>
+      </p:grpSpPr>
+      <p:sp>
+        <p:nvSpPr>
+          <p:cNvPr id="2" name="Title 1">
+            <a:extLst>
+              <a:ext uri="{FF2B5EF4-FFF2-40B4-BE49-F238E27FC236}">
+                <a16:creationId xmlns:a16="http://schemas.microsoft.com/office/drawing/2014/main" id="{4EF8F1EC-4610-471B-9BE5-DBE2EF9702D8}"/>
+              </a:ext>
+            </a:extLst>
+          </p:cNvPr>
+          <p:cNvSpPr>
+            <a:spLocks noGrp="1"/>
+          </p:cNvSpPr>
+          <p:nvPr>
+            <p:ph type="title"/>
+          </p:nvPr>
+        </p:nvSpPr>
+        <p:spPr/>
+        <p:txBody>
+          <a:bodyPr/>
+          <a:lstStyle/>
+          <a:p>
+            <a:r>
+              <a:rPr lang="en-US" dirty="0"/>
+              <a:t>Explain ability – Global Importance</a:t>
+            </a:r>
+          </a:p>
+        </p:txBody>
+      </p:sp>
+      <p:pic>
+        <p:nvPicPr>
+          <p:cNvPr id="4" name="Content Placeholder 3">
+            <a:extLst>
+              <a:ext uri="{FF2B5EF4-FFF2-40B4-BE49-F238E27FC236}">
+                <a16:creationId xmlns:a16="http://schemas.microsoft.com/office/drawing/2014/main" id="{9AAFA84D-8AD0-4D1E-AF76-F9A547417A27}"/>
+              </a:ext>
+            </a:extLst>
+          </p:cNvPr>
+          <p:cNvPicPr>
+            <a:picLocks noGrp="1" noChangeAspect="1"/>
+          </p:cNvPicPr>
+          <p:nvPr>
+            <p:ph idx="1"/>
+          </p:nvPr>
+        </p:nvPicPr>
+        <p:blipFill>
+          <a:blip r:embed="rId2"/>
+          <a:stretch>
+            <a:fillRect/>
+          </a:stretch>
+        </p:blipFill>
+        <p:spPr>
+          <a:xfrm>
+            <a:off x="838200" y="1855817"/>
+            <a:ext cx="10515600" cy="4290954"/>
+          </a:xfrm>
+          <a:prstGeom prst="rect">
+            <a:avLst/>
+          </a:prstGeom>
+        </p:spPr>
+      </p:pic>
+    </p:spTree>
+    <p:extLst>
+      <p:ext uri="{BB962C8B-B14F-4D97-AF65-F5344CB8AC3E}">
+        <p14:creationId xmlns:p14="http://schemas.microsoft.com/office/powerpoint/2010/main" val="386849031"/>
+      </p:ext>
+    </p:extLst>
+  </p:cSld>
+  <p:clrMapOvr>
+    <a:masterClrMapping/>
+  </p:clrMapOvr>
+</p:sld>
+</file>
+
+<file path=ppt/slides/slide8.xml><?xml version="1.0" encoding="utf-8"?>
+<p:sld xmlns:a="http://schemas.openxmlformats.org/drawingml/2006/main" xmlns:r="http://schemas.openxmlformats.org/officeDocument/2006/relationships" xmlns:p="http://schemas.openxmlformats.org/presentationml/2006/main">
+  <p:cSld>
+    <p:spTree>
+      <p:nvGrpSpPr>
+        <p:cNvPr id="1" name=""/>
+        <p:cNvGrpSpPr/>
+        <p:nvPr/>
+      </p:nvGrpSpPr>
+      <p:grpSpPr>
+        <a:xfrm>
+          <a:off x="0" y="0"/>
+          <a:ext cx="0" cy="0"/>
+          <a:chOff x="0" y="0"/>
+          <a:chExt cx="0" cy="0"/>
+        </a:xfrm>
+      </p:grpSpPr>
+      <p:sp>
+        <p:nvSpPr>
+          <p:cNvPr id="2" name="Title 1">
+            <a:extLst>
+              <a:ext uri="{FF2B5EF4-FFF2-40B4-BE49-F238E27FC236}">
+                <a16:creationId xmlns:a16="http://schemas.microsoft.com/office/drawing/2014/main" id="{729498F3-5735-47D1-897B-189A6B9BE5B7}"/>
+              </a:ext>
+            </a:extLst>
+          </p:cNvPr>
+          <p:cNvSpPr>
+            <a:spLocks noGrp="1"/>
+          </p:cNvSpPr>
+          <p:nvPr>
+            <p:ph type="title"/>
+          </p:nvPr>
+        </p:nvSpPr>
+        <p:spPr/>
+        <p:txBody>
+          <a:bodyPr/>
+          <a:lstStyle/>
+          <a:p>
+            <a:r>
+              <a:rPr lang="en-US" dirty="0"/>
+              <a:t>Summary Importance</a:t>
+            </a:r>
+          </a:p>
+        </p:txBody>
+      </p:sp>
+      <p:sp>
+        <p:nvSpPr>
+          <p:cNvPr id="3" name="Content Placeholder 2">
+            <a:extLst>
+              <a:ext uri="{FF2B5EF4-FFF2-40B4-BE49-F238E27FC236}">
+                <a16:creationId xmlns:a16="http://schemas.microsoft.com/office/drawing/2014/main" id="{3A0B5C26-6E9D-41C6-B29D-DC863E568A75}"/>
+              </a:ext>
+            </a:extLst>
+          </p:cNvPr>
+          <p:cNvSpPr>
+            <a:spLocks noGrp="1"/>
+          </p:cNvSpPr>
+          <p:nvPr>
+            <p:ph idx="1"/>
+          </p:nvPr>
+        </p:nvSpPr>
+        <p:spPr/>
+        <p:txBody>
+          <a:bodyPr/>
+          <a:lstStyle/>
+          <a:p>
+            <a:endParaRPr lang="en-US"/>
+          </a:p>
+        </p:txBody>
+      </p:sp>
+      <p:pic>
+        <p:nvPicPr>
+          <p:cNvPr id="4" name="Picture 3">
+            <a:extLst>
+              <a:ext uri="{FF2B5EF4-FFF2-40B4-BE49-F238E27FC236}">
+                <a16:creationId xmlns:a16="http://schemas.microsoft.com/office/drawing/2014/main" id="{99EEC226-9699-4B84-9365-159003E363BC}"/>
+              </a:ext>
+            </a:extLst>
+          </p:cNvPr>
+          <p:cNvPicPr>
+            <a:picLocks noChangeAspect="1"/>
+          </p:cNvPicPr>
+          <p:nvPr/>
+        </p:nvPicPr>
+        <p:blipFill>
+          <a:blip r:embed="rId2"/>
+          <a:stretch>
+            <a:fillRect/>
+          </a:stretch>
+        </p:blipFill>
+        <p:spPr>
+          <a:xfrm>
+            <a:off x="599893" y="1772673"/>
+            <a:ext cx="10576754" cy="4457241"/>
+          </a:xfrm>
+          <a:prstGeom prst="rect">
+            <a:avLst/>
+          </a:prstGeom>
+        </p:spPr>
+      </p:pic>
+    </p:spTree>
+    <p:extLst>
+      <p:ext uri="{BB962C8B-B14F-4D97-AF65-F5344CB8AC3E}">
+        <p14:creationId xmlns:p14="http://schemas.microsoft.com/office/powerpoint/2010/main" val="1207544164"/>
+      </p:ext>
+    </p:extLst>
+  </p:cSld>
+  <p:clrMapOvr>
+    <a:masterClrMapping/>
+  </p:clrMapOvr>
+</p:sld>
+</file>
+
+<file path=ppt/slides/slide9.xml><?xml version="1.0" encoding="utf-8"?>
+<p:sld xmlns:a="http://schemas.openxmlformats.org/drawingml/2006/main" xmlns:r="http://schemas.openxmlformats.org/officeDocument/2006/relationships" xmlns:p="http://schemas.openxmlformats.org/presentationml/2006/main">
+  <p:cSld>
+    <p:bg>
+      <p:bgPr>
+        <a:solidFill>
+          <a:schemeClr val="bg1"/>
+        </a:solidFill>
+        <a:effectLst/>
+      </p:bgPr>
+    </p:bg>
+    <p:spTree>
+      <p:nvGrpSpPr>
+        <p:cNvPr id="1" name=""/>
+        <p:cNvGrpSpPr/>
+        <p:nvPr/>
+      </p:nvGrpSpPr>
+      <p:grpSpPr>
+        <a:xfrm>
+          <a:off x="0" y="0"/>
+          <a:ext cx="0" cy="0"/>
+          <a:chOff x="0" y="0"/>
+          <a:chExt cx="0" cy="0"/>
+        </a:xfrm>
+      </p:grpSpPr>
+      <p:sp useBgFill="1">
+        <p:nvSpPr>
+          <p:cNvPr id="30" name="Rectangle 20">
+            <a:extLst>
+              <a:ext uri="{FF2B5EF4-FFF2-40B4-BE49-F238E27FC236}">
+                <a16:creationId xmlns:a16="http://schemas.microsoft.com/office/drawing/2014/main" id="{A3C210E6-A35A-4F68-8D60-801A019C75B8}"/>
+              </a:ext>
+              <a:ext uri="{C183D7F6-B498-43B3-948B-1728B52AA6E4}">
+                <adec:decorative xmlns:adec="http://schemas.microsoft.com/office/drawing/2017/decorative" val="1"/>
+              </a:ext>
+            </a:extLst>
+          </p:cNvPr>
+          <p:cNvSpPr>
+            <a:spLocks noGrp="1" noRot="1" noChangeAspect="1" noMove="1" noResize="1" noEditPoints="1" noAdjustHandles="1" noChangeArrowheads="1" noChangeShapeType="1" noTextEdit="1"/>
+          </p:cNvSpPr>
+          <p:nvPr>
+            <p:extLst>
+              <p:ext uri="{386F3935-93C4-4BCD-93E2-E3B085C9AB24}">
+                <p16:designElem xmlns:p16="http://schemas.microsoft.com/office/powerpoint/2015/main" val="1"/>
+              </p:ext>
+            </p:extLst>
+          </p:nvPr>
+        </p:nvSpPr>
+        <p:spPr>
+          <a:xfrm>
+            <a:off x="0" y="0"/>
+            <a:ext cx="12192000" cy="6858000"/>
+          </a:xfrm>
+          <a:prstGeom prst="rect">
+            <a:avLst/>
+          </a:prstGeom>
+          <a:ln>
+            <a:noFill/>
+          </a:ln>
+        </p:spPr>
+        <p:style>
+          <a:lnRef idx="2">
+            <a:schemeClr val="accent1">
+              <a:shade val="50000"/>
+            </a:schemeClr>
+          </a:lnRef>
+          <a:fillRef idx="1">
+            <a:schemeClr val="accent1"/>
+          </a:fillRef>
+          <a:effectRef idx="0">
+            <a:schemeClr val="accent1"/>
+          </a:effectRef>
+          <a:fontRef idx="minor">
+            <a:schemeClr val="lt1"/>
+          </a:fontRef>
+        </p:style>
+        <p:txBody>
+          <a:bodyPr rtlCol="0" anchor="ctr"/>
+          <a:lstStyle/>
+          <a:p>
+            <a:pPr algn="ctr"/>
+            <a:endParaRPr lang="en-US"/>
+          </a:p>
+        </p:txBody>
+      </p:sp>
+      <p:pic>
+        <p:nvPicPr>
+          <p:cNvPr id="5" name="Picture 4">
+            <a:extLst>
+              <a:ext uri="{FF2B5EF4-FFF2-40B4-BE49-F238E27FC236}">
+                <a16:creationId xmlns:a16="http://schemas.microsoft.com/office/drawing/2014/main" id="{32B7506C-FE38-4317-9555-2F65322AC832}"/>
+              </a:ext>
+            </a:extLst>
+          </p:cNvPr>
+          <p:cNvPicPr>
+            <a:picLocks noChangeAspect="1"/>
+          </p:cNvPicPr>
+          <p:nvPr/>
+        </p:nvPicPr>
+        <p:blipFill rotWithShape="1">
+          <a:blip r:embed="rId2"/>
+          <a:srcRect l="8098" r="8098"/>
+          <a:stretch/>
+        </p:blipFill>
+        <p:spPr>
+          <a:xfrm>
+            <a:off x="3136389" y="10"/>
+            <a:ext cx="4979304" cy="3401558"/>
+          </a:xfrm>
+          <a:custGeom>
+            <a:avLst/>
+            <a:gdLst/>
+            <a:ahLst/>
+            <a:cxnLst/>
+            <a:rect l="l" t="t" r="r" b="b"/>
+            <a:pathLst>
+              <a:path w="4979304" h="3364992">
+                <a:moveTo>
+                  <a:pt x="0" y="0"/>
+                </a:moveTo>
+                <a:lnTo>
+                  <a:pt x="4211250" y="0"/>
+                </a:lnTo>
+                <a:lnTo>
+                  <a:pt x="4309461" y="192282"/>
+                </a:lnTo>
+                <a:cubicBezTo>
+                  <a:pt x="4697535" y="1033269"/>
+                  <a:pt x="4937593" y="2032690"/>
+                  <a:pt x="4974907" y="3110424"/>
+                </a:cubicBezTo>
+                <a:lnTo>
+                  <a:pt x="4979304" y="3364992"/>
+                </a:lnTo>
+                <a:lnTo>
+                  <a:pt x="800592" y="3364992"/>
+                </a:lnTo>
+                <a:lnTo>
+                  <a:pt x="797493" y="3185579"/>
+                </a:lnTo>
+                <a:cubicBezTo>
+                  <a:pt x="756786" y="2009870"/>
+                  <a:pt x="474799" y="927359"/>
+                  <a:pt x="22579" y="42066"/>
+                </a:cubicBezTo>
+                <a:close/>
+              </a:path>
+            </a:pathLst>
+          </a:custGeom>
+        </p:spPr>
+      </p:pic>
+      <p:pic>
+        <p:nvPicPr>
+          <p:cNvPr id="6" name="Picture 5">
+            <a:extLst>
+              <a:ext uri="{FF2B5EF4-FFF2-40B4-BE49-F238E27FC236}">
+                <a16:creationId xmlns:a16="http://schemas.microsoft.com/office/drawing/2014/main" id="{E543DB47-B657-4382-BD11-630B1B6EABD7}"/>
+              </a:ext>
+            </a:extLst>
+          </p:cNvPr>
+          <p:cNvPicPr>
+            <a:picLocks noChangeAspect="1"/>
+          </p:cNvPicPr>
+          <p:nvPr/>
+        </p:nvPicPr>
+        <p:blipFill rotWithShape="1">
+          <a:blip r:embed="rId3"/>
+          <a:srcRect r="19393" b="-1"/>
+          <a:stretch/>
+        </p:blipFill>
+        <p:spPr>
+          <a:xfrm>
+            <a:off x="7381690" y="3456433"/>
+            <a:ext cx="4810310" cy="3401568"/>
+          </a:xfrm>
+          <a:custGeom>
+            <a:avLst/>
+            <a:gdLst/>
+            <a:ahLst/>
+            <a:cxnLst/>
+            <a:rect l="l" t="t" r="r" b="b"/>
+            <a:pathLst>
+              <a:path w="4810310" h="3401568">
+                <a:moveTo>
+                  <a:pt x="781270" y="0"/>
+                </a:moveTo>
+                <a:lnTo>
+                  <a:pt x="4810310" y="0"/>
+                </a:lnTo>
+                <a:lnTo>
+                  <a:pt x="4810310" y="3401568"/>
+                </a:lnTo>
+                <a:lnTo>
+                  <a:pt x="0" y="3401568"/>
+                </a:lnTo>
+                <a:lnTo>
+                  <a:pt x="1963" y="3397912"/>
+                </a:lnTo>
+                <a:cubicBezTo>
+                  <a:pt x="454182" y="2512619"/>
+                  <a:pt x="736170" y="1430108"/>
+                  <a:pt x="776876" y="254399"/>
+                </a:cubicBezTo>
+                <a:close/>
+              </a:path>
+            </a:pathLst>
+          </a:custGeom>
+        </p:spPr>
+      </p:pic>
+      <p:pic>
+        <p:nvPicPr>
+          <p:cNvPr id="4" name="Content Placeholder 3">
+            <a:extLst>
+              <a:ext uri="{FF2B5EF4-FFF2-40B4-BE49-F238E27FC236}">
+                <a16:creationId xmlns:a16="http://schemas.microsoft.com/office/drawing/2014/main" id="{45BBFD37-C679-4C42-855F-9B77CD7E2AD8}"/>
+              </a:ext>
+            </a:extLst>
+          </p:cNvPr>
+          <p:cNvPicPr>
+            <a:picLocks noChangeAspect="1"/>
+          </p:cNvPicPr>
+          <p:nvPr/>
+        </p:nvPicPr>
+        <p:blipFill rotWithShape="1">
+          <a:blip r:embed="rId4"/>
+          <a:srcRect r="5880"/>
+          <a:stretch/>
+        </p:blipFill>
+        <p:spPr>
+          <a:xfrm>
+            <a:off x="3189428" y="3456432"/>
+            <a:ext cx="4925479" cy="3401568"/>
+          </a:xfrm>
+          <a:custGeom>
+            <a:avLst/>
+            <a:gdLst/>
+            <a:ahLst/>
+            <a:cxnLst/>
+            <a:rect l="l" t="t" r="r" b="b"/>
+            <a:pathLst>
+              <a:path w="4925479" h="3364992">
+                <a:moveTo>
+                  <a:pt x="749362" y="0"/>
+                </a:moveTo>
+                <a:lnTo>
+                  <a:pt x="4925479" y="0"/>
+                </a:lnTo>
+                <a:lnTo>
+                  <a:pt x="4921868" y="209033"/>
+                </a:lnTo>
+                <a:cubicBezTo>
+                  <a:pt x="4884554" y="1286766"/>
+                  <a:pt x="4644496" y="2286187"/>
+                  <a:pt x="4256422" y="3127175"/>
+                </a:cubicBezTo>
+                <a:lnTo>
+                  <a:pt x="4134952" y="3364992"/>
+                </a:lnTo>
+                <a:lnTo>
+                  <a:pt x="0" y="3364992"/>
+                </a:lnTo>
+                <a:lnTo>
+                  <a:pt x="79008" y="3202330"/>
+                </a:lnTo>
+                <a:cubicBezTo>
+                  <a:pt x="467082" y="2361343"/>
+                  <a:pt x="707140" y="1361922"/>
+                  <a:pt x="744454" y="284189"/>
+                </a:cubicBezTo>
+                <a:close/>
+              </a:path>
+            </a:pathLst>
+          </a:custGeom>
+        </p:spPr>
+      </p:pic>
+      <p:sp useBgFill="1">
+        <p:nvSpPr>
+          <p:cNvPr id="31" name="Freeform: Shape 22">
+            <a:extLst>
+              <a:ext uri="{FF2B5EF4-FFF2-40B4-BE49-F238E27FC236}">
+                <a16:creationId xmlns:a16="http://schemas.microsoft.com/office/drawing/2014/main" id="{AC0D06B0-F19C-459E-B221-A34B506FB5E3}"/>
+              </a:ext>
+              <a:ext uri="{C183D7F6-B498-43B3-948B-1728B52AA6E4}">
+                <adec:decorative xmlns:adec="http://schemas.microsoft.com/office/drawing/2017/decorative" val="1"/>
+              </a:ext>
+            </a:extLst>
+          </p:cNvPr>
+          <p:cNvSpPr>
+            <a:spLocks noGrp="1" noRot="1" noChangeAspect="1" noMove="1" noResize="1" noEditPoints="1" noAdjustHandles="1" noChangeArrowheads="1" noChangeShapeType="1" noTextEdit="1"/>
+          </p:cNvSpPr>
+          <p:nvPr>
+            <p:extLst>
+              <p:ext uri="{386F3935-93C4-4BCD-93E2-E3B085C9AB24}">
+                <p16:designElem xmlns:p16="http://schemas.microsoft.com/office/powerpoint/2015/main" val="1"/>
+              </p:ext>
+            </p:extLst>
+          </p:nvPr>
+        </p:nvSpPr>
+        <p:spPr>
+          <a:xfrm>
+            <a:off x="0" y="0"/>
+            <a:ext cx="3945815" cy="6858000"/>
+          </a:xfrm>
+          <a:custGeom>
+            <a:avLst/>
+            <a:gdLst>
+              <a:gd name="connsiteX0" fmla="*/ 0 w 3945815"/>
+              <a:gd name="connsiteY0" fmla="*/ 0 h 6858000"/>
+              <a:gd name="connsiteX1" fmla="*/ 3138662 w 3945815"/>
+              <a:gd name="connsiteY1" fmla="*/ 0 h 6858000"/>
+              <a:gd name="connsiteX2" fmla="*/ 3275260 w 3945815"/>
+              <a:gd name="connsiteY2" fmla="*/ 267438 h 6858000"/>
+              <a:gd name="connsiteX3" fmla="*/ 3945815 w 3945815"/>
+              <a:gd name="connsiteY3" fmla="*/ 3481388 h 6858000"/>
+              <a:gd name="connsiteX4" fmla="*/ 3275260 w 3945815"/>
+              <a:gd name="connsiteY4" fmla="*/ 6695338 h 6858000"/>
+              <a:gd name="connsiteX5" fmla="*/ 3192177 w 3945815"/>
+              <a:gd name="connsiteY5" fmla="*/ 6858000 h 6858000"/>
+              <a:gd name="connsiteX6" fmla="*/ 0 w 3945815"/>
+              <a:gd name="connsiteY6" fmla="*/ 6858000 h 6858000"/>
+            </a:gdLst>
+            <a:ahLst/>
+            <a:cxnLst>
+              <a:cxn ang="0">
+                <a:pos x="connsiteX0" y="connsiteY0"/>
+              </a:cxn>
+              <a:cxn ang="0">
+                <a:pos x="connsiteX1" y="connsiteY1"/>
+              </a:cxn>
+              <a:cxn ang="0">
+                <a:pos x="connsiteX2" y="connsiteY2"/>
+              </a:cxn>
+              <a:cxn ang="0">
+                <a:pos x="connsiteX3" y="connsiteY3"/>
+              </a:cxn>
+              <a:cxn ang="0">
+                <a:pos x="connsiteX4" y="connsiteY4"/>
+              </a:cxn>
+              <a:cxn ang="0">
+                <a:pos x="connsiteX5" y="connsiteY5"/>
+              </a:cxn>
+              <a:cxn ang="0">
+                <a:pos x="connsiteX6" y="connsiteY6"/>
+              </a:cxn>
+            </a:cxnLst>
+            <a:rect l="l" t="t" r="r" b="b"/>
+            <a:pathLst>
+              <a:path w="3945815" h="6858000">
+                <a:moveTo>
+                  <a:pt x="0" y="0"/>
+                </a:moveTo>
+                <a:lnTo>
+                  <a:pt x="3138662" y="0"/>
+                </a:lnTo>
+                <a:lnTo>
+                  <a:pt x="3275260" y="267438"/>
+                </a:lnTo>
+                <a:cubicBezTo>
+                  <a:pt x="3698614" y="1184879"/>
+                  <a:pt x="3945815" y="2290869"/>
+                  <a:pt x="3945815" y="3481388"/>
+                </a:cubicBezTo>
+                <a:cubicBezTo>
+                  <a:pt x="3945815" y="4671908"/>
+                  <a:pt x="3698614" y="5777898"/>
+                  <a:pt x="3275260" y="6695338"/>
+                </a:cubicBezTo>
+                <a:lnTo>
+                  <a:pt x="3192177" y="6858000"/>
+                </a:lnTo>
+                <a:lnTo>
+                  <a:pt x="0" y="6858000"/>
+                </a:lnTo>
+                <a:close/>
+              </a:path>
+            </a:pathLst>
+          </a:custGeom>
+          <a:ln w="9525">
+            <a:solidFill>
+              <a:srgbClr val="EFEFEF"/>
+            </a:solidFill>
+          </a:ln>
+          <a:effectLst>
+            <a:outerShdw blurRad="50800" dist="38100" algn="l" rotWithShape="0">
+              <a:schemeClr val="bg1">
+                <a:lumMod val="85000"/>
+                <a:alpha val="30000"/>
+              </a:schemeClr>
+            </a:outerShdw>
+          </a:effectLst>
+        </p:spPr>
+        <p:style>
+          <a:lnRef idx="2">
+            <a:schemeClr val="accent1">
+              <a:shade val="50000"/>
+            </a:schemeClr>
+          </a:lnRef>
+          <a:fillRef idx="1">
+            <a:schemeClr val="accent1"/>
+          </a:fillRef>
+          <a:effectRef idx="0">
+            <a:schemeClr val="accent1"/>
+          </a:effectRef>
+          <a:fontRef idx="minor">
+            <a:schemeClr val="lt1"/>
+          </a:fontRef>
+        </p:style>
+        <p:txBody>
+          <a:bodyPr wrap="square" rtlCol="0" anchor="ctr">
+            <a:noAutofit/>
+          </a:bodyPr>
+          <a:lstStyle/>
+          <a:p>
+            <a:pPr marL="0" marR="0" lvl="0" indent="0" algn="ctr" defTabSz="914400" rtl="0" eaLnBrk="1" fontAlgn="auto" latinLnBrk="0" hangingPunct="1">
+              <a:lnSpc>
+                <a:spcPct val="100000"/>
+              </a:lnSpc>
+              <a:spcBef>
+                <a:spcPts val="0"/>
+              </a:spcBef>
+              <a:spcAft>
+                <a:spcPts val="0"/>
+              </a:spcAft>
+              <a:buClrTx/>
+              <a:buSzTx/>
+              <a:buFontTx/>
+              <a:buNone/>
+              <a:tabLst/>
+              <a:defRPr/>
+            </a:pPr>
+            <a:endParaRPr kumimoji="0" lang="en-US" sz="1800" b="0" i="0" u="none" strike="noStrike" kern="1200" cap="none" spc="0" normalizeH="0" baseline="0" noProof="0">
+              <a:ln>
+                <a:noFill/>
+              </a:ln>
+              <a:solidFill>
+                <a:prstClr val="white"/>
+              </a:solidFill>
+              <a:effectLst/>
+              <a:uLnTx/>
+              <a:uFillTx/>
+              <a:latin typeface="Calibri" panose="020F0502020204030204"/>
+              <a:ea typeface="+mn-ea"/>
+              <a:cs typeface="+mn-cs"/>
+            </a:endParaRPr>
+          </a:p>
+        </p:txBody>
+      </p:sp>
+      <p:sp useBgFill="1">
+        <p:nvSpPr>
+          <p:cNvPr id="32" name="Freeform: Shape 24">
+            <a:extLst>
+              <a:ext uri="{FF2B5EF4-FFF2-40B4-BE49-F238E27FC236}">
+                <a16:creationId xmlns:a16="http://schemas.microsoft.com/office/drawing/2014/main" id="{345B26DA-1C6B-4C66-81C9-9C1877FC2DB1}"/>
+              </a:ext>
+              <a:ext uri="{C183D7F6-B498-43B3-948B-1728B52AA6E4}">
+                <adec:decorative xmlns:adec="http://schemas.microsoft.com/office/drawing/2017/decorative" val="1"/>
+              </a:ext>
+            </a:extLst>
+          </p:cNvPr>
+          <p:cNvSpPr>
+            <a:spLocks noGrp="1" noRot="1" noChangeAspect="1" noMove="1" noResize="1" noEditPoints="1" noAdjustHandles="1" noChangeArrowheads="1" noChangeShapeType="1" noTextEdit="1"/>
+          </p:cNvSpPr>
+          <p:nvPr>
+            <p:extLst>
+              <p:ext uri="{386F3935-93C4-4BCD-93E2-E3B085C9AB24}">
+                <p16:designElem xmlns:p16="http://schemas.microsoft.com/office/powerpoint/2015/main" val="1"/>
+              </p:ext>
+            </p:extLst>
+          </p:nvPr>
+        </p:nvSpPr>
+        <p:spPr>
+          <a:xfrm>
+            <a:off x="0" y="0"/>
+            <a:ext cx="3936670" cy="6858000"/>
+          </a:xfrm>
+          <a:custGeom>
+            <a:avLst/>
+            <a:gdLst>
+              <a:gd name="connsiteX0" fmla="*/ 0 w 3936670"/>
+              <a:gd name="connsiteY0" fmla="*/ 0 h 6858000"/>
+              <a:gd name="connsiteX1" fmla="*/ 3129517 w 3936670"/>
+              <a:gd name="connsiteY1" fmla="*/ 0 h 6858000"/>
+              <a:gd name="connsiteX2" fmla="*/ 3266115 w 3936670"/>
+              <a:gd name="connsiteY2" fmla="*/ 267438 h 6858000"/>
+              <a:gd name="connsiteX3" fmla="*/ 3936670 w 3936670"/>
+              <a:gd name="connsiteY3" fmla="*/ 3481388 h 6858000"/>
+              <a:gd name="connsiteX4" fmla="*/ 3266115 w 3936670"/>
+              <a:gd name="connsiteY4" fmla="*/ 6695338 h 6858000"/>
+              <a:gd name="connsiteX5" fmla="*/ 3183032 w 3936670"/>
+              <a:gd name="connsiteY5" fmla="*/ 6858000 h 6858000"/>
+              <a:gd name="connsiteX6" fmla="*/ 0 w 3936670"/>
+              <a:gd name="connsiteY6" fmla="*/ 6858000 h 6858000"/>
+            </a:gdLst>
+            <a:ahLst/>
+            <a:cxnLst>
+              <a:cxn ang="0">
+                <a:pos x="connsiteX0" y="connsiteY0"/>
+              </a:cxn>
+              <a:cxn ang="0">
+                <a:pos x="connsiteX1" y="connsiteY1"/>
+              </a:cxn>
+              <a:cxn ang="0">
+                <a:pos x="connsiteX2" y="connsiteY2"/>
+              </a:cxn>
+              <a:cxn ang="0">
+                <a:pos x="connsiteX3" y="connsiteY3"/>
+              </a:cxn>
+              <a:cxn ang="0">
+                <a:pos x="connsiteX4" y="connsiteY4"/>
+              </a:cxn>
+              <a:cxn ang="0">
+                <a:pos x="connsiteX5" y="connsiteY5"/>
+              </a:cxn>
+              <a:cxn ang="0">
+                <a:pos x="connsiteX6" y="connsiteY6"/>
+              </a:cxn>
+            </a:cxnLst>
+            <a:rect l="l" t="t" r="r" b="b"/>
+            <a:pathLst>
+              <a:path w="3936670" h="6858000">
+                <a:moveTo>
+                  <a:pt x="0" y="0"/>
+                </a:moveTo>
+                <a:lnTo>
+                  <a:pt x="3129517" y="0"/>
+                </a:lnTo>
+                <a:lnTo>
+                  <a:pt x="3266115" y="267438"/>
+                </a:lnTo>
+                <a:cubicBezTo>
+                  <a:pt x="3689469" y="1184879"/>
+                  <a:pt x="3936670" y="2290869"/>
+                  <a:pt x="3936670" y="3481388"/>
+                </a:cubicBezTo>
+                <a:cubicBezTo>
+                  <a:pt x="3936670" y="4671908"/>
+                  <a:pt x="3689469" y="5777898"/>
+                  <a:pt x="3266115" y="6695338"/>
+                </a:cubicBezTo>
+                <a:lnTo>
+                  <a:pt x="3183032" y="6858000"/>
+                </a:lnTo>
+                <a:lnTo>
+                  <a:pt x="0" y="6858000"/>
+                </a:lnTo>
+                <a:close/>
+              </a:path>
+            </a:pathLst>
+          </a:custGeom>
+          <a:ln w="9525">
+            <a:noFill/>
+          </a:ln>
+          <a:effectLst/>
+        </p:spPr>
+        <p:style>
+          <a:lnRef idx="2">
+            <a:schemeClr val="accent1">
+              <a:shade val="50000"/>
+            </a:schemeClr>
+          </a:lnRef>
+          <a:fillRef idx="1">
+            <a:schemeClr val="accent1"/>
+          </a:fillRef>
+          <a:effectRef idx="0">
+            <a:schemeClr val="accent1"/>
+          </a:effectRef>
+          <a:fontRef idx="minor">
+            <a:schemeClr val="lt1"/>
+          </a:fontRef>
+        </p:style>
+        <p:txBody>
+          <a:bodyPr wrap="square" rtlCol="0" anchor="ctr">
+            <a:noAutofit/>
+          </a:bodyPr>
+          <a:lstStyle/>
+          <a:p>
+            <a:pPr marL="0" marR="0" lvl="0" indent="0" algn="ctr" defTabSz="914400" rtl="0" eaLnBrk="1" fontAlgn="auto" latinLnBrk="0" hangingPunct="1">
+              <a:lnSpc>
+                <a:spcPct val="100000"/>
+              </a:lnSpc>
+              <a:spcBef>
+                <a:spcPts val="0"/>
+              </a:spcBef>
+              <a:spcAft>
+                <a:spcPts val="0"/>
+              </a:spcAft>
+              <a:buClrTx/>
+              <a:buSzTx/>
+              <a:buFontTx/>
+              <a:buNone/>
+              <a:tabLst/>
+              <a:defRPr/>
+            </a:pPr>
+            <a:endParaRPr kumimoji="0" lang="en-US" sz="1800" b="0" i="0" u="none" strike="noStrike" kern="1200" cap="none" spc="0" normalizeH="0" baseline="0" noProof="0">
+              <a:ln>
+                <a:noFill/>
+              </a:ln>
+              <a:solidFill>
+                <a:prstClr val="white"/>
+              </a:solidFill>
+              <a:effectLst/>
+              <a:uLnTx/>
+              <a:uFillTx/>
+              <a:latin typeface="Calibri" panose="020F0502020204030204"/>
+              <a:ea typeface="+mn-ea"/>
+              <a:cs typeface="+mn-cs"/>
+            </a:endParaRPr>
+          </a:p>
+        </p:txBody>
+      </p:sp>
+      <p:sp>
+        <p:nvSpPr>
+          <p:cNvPr id="2" name="Title 1">
+            <a:extLst>
+              <a:ext uri="{FF2B5EF4-FFF2-40B4-BE49-F238E27FC236}">
+                <a16:creationId xmlns:a16="http://schemas.microsoft.com/office/drawing/2014/main" id="{2C74C502-48D4-4DC8-8F5C-7EFA9FFCF4E0}"/>
+              </a:ext>
+            </a:extLst>
+          </p:cNvPr>
+          <p:cNvSpPr>
+            <a:spLocks noGrp="1"/>
+          </p:cNvSpPr>
+          <p:nvPr>
+            <p:ph type="title"/>
+          </p:nvPr>
+        </p:nvSpPr>
+        <p:spPr>
+          <a:xfrm>
+            <a:off x="448056" y="685800"/>
+            <a:ext cx="2807208" cy="1325563"/>
+          </a:xfrm>
+        </p:spPr>
+        <p:txBody>
+          <a:bodyPr vert="horz" lIns="91440" tIns="45720" rIns="91440" bIns="45720" rtlCol="0">
+            <a:normAutofit/>
+          </a:bodyPr>
+          <a:lstStyle/>
+          <a:p>
+            <a:r>
+              <a:rPr lang="en-US" sz="2800" kern="1200">
+                <a:latin typeface="+mj-lt"/>
+                <a:ea typeface="+mj-ea"/>
+                <a:cs typeface="+mj-cs"/>
+              </a:rPr>
+              <a:t>Metrics</a:t>
+            </a:r>
+          </a:p>
+        </p:txBody>
+      </p:sp>
+      <p:sp>
+        <p:nvSpPr>
+          <p:cNvPr id="33" name="Rectangle 26">
+            <a:extLst>
+              <a:ext uri="{FF2B5EF4-FFF2-40B4-BE49-F238E27FC236}">
+                <a16:creationId xmlns:a16="http://schemas.microsoft.com/office/drawing/2014/main" id="{98DE6C44-43F8-4DE4-AB81-66853FFEA09A}"/>
+              </a:ext>
+              <a:ext uri="{C183D7F6-B498-43B3-948B-1728B52AA6E4}">
+                <adec:decorative xmlns:adec="http://schemas.microsoft.com/office/drawing/2017/decorative" val="1"/>
+              </a:ext>
+            </a:extLst>
+          </p:cNvPr>
+          <p:cNvSpPr>
+            <a:spLocks noGrp="1" noRot="1" noChangeAspect="1" noMove="1" noResize="1" noEditPoints="1" noAdjustHandles="1" noChangeArrowheads="1" noChangeShapeType="1" noTextEdit="1"/>
+          </p:cNvSpPr>
+          <p:nvPr>
+            <p:extLst>
+              <p:ext uri="{386F3935-93C4-4BCD-93E2-E3B085C9AB24}">
+                <p16:designElem xmlns:p16="http://schemas.microsoft.com/office/powerpoint/2015/main" val="1"/>
+              </p:ext>
+            </p:extLst>
+          </p:nvPr>
+        </p:nvSpPr>
+        <p:spPr>
+          <a:xfrm>
+            <a:off x="0" y="1005840"/>
+            <a:ext cx="128016" cy="653903"/>
+          </a:xfrm>
+          <a:prstGeom prst="rect">
+            <a:avLst/>
+          </a:prstGeom>
+          <a:solidFill>
+            <a:schemeClr val="accent2"/>
+          </a:solidFill>
+          <a:ln>
+            <a:noFill/>
+          </a:ln>
+        </p:spPr>
+        <p:style>
+          <a:lnRef idx="2">
+            <a:schemeClr val="accent1">
+              <a:shade val="50000"/>
+            </a:schemeClr>
+          </a:lnRef>
+          <a:fillRef idx="1">
+            <a:schemeClr val="accent1"/>
+          </a:fillRef>
+          <a:effectRef idx="0">
+            <a:schemeClr val="accent1"/>
+          </a:effectRef>
+          <a:fontRef idx="minor">
+            <a:schemeClr val="lt1"/>
+          </a:fontRef>
+        </p:style>
+        <p:txBody>
+          <a:bodyPr rtlCol="0" anchor="ctr"/>
+          <a:lstStyle/>
+          <a:p>
+            <a:pPr marL="0" marR="0" lvl="0" indent="0" algn="ctr" defTabSz="914400" rtl="0" eaLnBrk="1" fontAlgn="auto" latinLnBrk="0" hangingPunct="1">
+              <a:lnSpc>
+                <a:spcPct val="100000"/>
+              </a:lnSpc>
+              <a:spcBef>
+                <a:spcPts val="0"/>
+              </a:spcBef>
+              <a:spcAft>
+                <a:spcPts val="0"/>
+              </a:spcAft>
+              <a:buClrTx/>
+              <a:buSzTx/>
+              <a:buFontTx/>
+              <a:buNone/>
+              <a:tabLst/>
+              <a:defRPr/>
+            </a:pPr>
+            <a:endParaRPr kumimoji="0" lang="en-US" sz="1800" b="0" i="0" u="none" strike="noStrike" kern="1200" cap="none" spc="0" normalizeH="0" baseline="0" noProof="0">
+              <a:ln>
+                <a:noFill/>
+              </a:ln>
+              <a:solidFill>
+                <a:prstClr val="white"/>
+              </a:solidFill>
+              <a:effectLst/>
+              <a:uLnTx/>
+              <a:uFillTx/>
+              <a:latin typeface="Calibri" panose="020F0502020204030204"/>
+              <a:ea typeface="+mn-ea"/>
+              <a:cs typeface="+mn-cs"/>
+            </a:endParaRPr>
+          </a:p>
+        </p:txBody>
+      </p:sp>
+      <p:sp>
+        <p:nvSpPr>
+          <p:cNvPr id="29" name="Rectangle 28">
+            <a:extLst>
+              <a:ext uri="{FF2B5EF4-FFF2-40B4-BE49-F238E27FC236}">
+                <a16:creationId xmlns:a16="http://schemas.microsoft.com/office/drawing/2014/main" id="{2409529B-9B56-4F10-BE4D-F934DB89E57E}"/>
+              </a:ext>
+              <a:ext uri="{C183D7F6-B498-43B3-948B-1728B52AA6E4}">
+                <adec:decorative xmlns:adec="http://schemas.microsoft.com/office/drawing/2017/decorative" val="1"/>
+              </a:ext>
+            </a:extLst>
+          </p:cNvPr>
+          <p:cNvSpPr>
+            <a:spLocks noGrp="1" noRot="1" noChangeAspect="1" noMove="1" noResize="1" noEditPoints="1" noAdjustHandles="1" noChangeArrowheads="1" noChangeShapeType="1" noTextEdit="1"/>
+          </p:cNvSpPr>
+          <p:nvPr>
+            <p:extLst>
+              <p:ext uri="{386F3935-93C4-4BCD-93E2-E3B085C9AB24}">
+                <p16:designElem xmlns:p16="http://schemas.microsoft.com/office/powerpoint/2015/main" val="1"/>
+              </p:ext>
+            </p:extLst>
+          </p:nvPr>
+        </p:nvSpPr>
+        <p:spPr>
+          <a:xfrm>
+            <a:off x="438912" y="2089941"/>
+            <a:ext cx="2834640" cy="18288"/>
+          </a:xfrm>
+          <a:prstGeom prst="rect">
+            <a:avLst/>
+          </a:prstGeom>
+          <a:solidFill>
+            <a:srgbClr val="D5D5D5"/>
+          </a:solidFill>
+          <a:ln w="3175">
+            <a:noFill/>
+          </a:ln>
+          <a:effectLst/>
+        </p:spPr>
+        <p:style>
+          <a:lnRef idx="2">
+            <a:schemeClr val="accent1">
+              <a:shade val="50000"/>
+            </a:schemeClr>
+          </a:lnRef>
+          <a:fillRef idx="1">
+            <a:schemeClr val="accent1"/>
+          </a:fillRef>
+          <a:effectRef idx="0">
+            <a:schemeClr val="accent1"/>
+          </a:effectRef>
+          <a:fontRef idx="minor">
+            <a:schemeClr val="lt1"/>
+          </a:fontRef>
+        </p:style>
+        <p:txBody>
+          <a:bodyPr rtlCol="0" anchor="ctr"/>
+          <a:lstStyle/>
+          <a:p>
+            <a:pPr marL="0" marR="0" lvl="0" indent="0" algn="ctr" defTabSz="914400" rtl="0" eaLnBrk="1" fontAlgn="auto" latinLnBrk="0" hangingPunct="1">
+              <a:lnSpc>
+                <a:spcPct val="100000"/>
+              </a:lnSpc>
+              <a:spcBef>
+                <a:spcPts val="0"/>
+              </a:spcBef>
+              <a:spcAft>
+                <a:spcPts val="0"/>
+              </a:spcAft>
+              <a:buClrTx/>
+              <a:buSzTx/>
+              <a:buFontTx/>
+              <a:buNone/>
+              <a:tabLst/>
+              <a:defRPr/>
+            </a:pPr>
+            <a:endParaRPr kumimoji="0" lang="en-US" sz="1800" b="0" i="0" u="none" strike="noStrike" kern="1200" cap="none" spc="0" normalizeH="0" baseline="0" noProof="0">
+              <a:ln>
+                <a:noFill/>
+              </a:ln>
+              <a:solidFill>
+                <a:prstClr val="white"/>
+              </a:solidFill>
+              <a:effectLst/>
+              <a:uLnTx/>
+              <a:uFillTx/>
+              <a:latin typeface="Calibri" panose="020F0502020204030204"/>
+              <a:ea typeface="+mn-ea"/>
+              <a:cs typeface="+mn-cs"/>
+            </a:endParaRPr>
+          </a:p>
+        </p:txBody>
+      </p:sp>
+      <p:sp>
+        <p:nvSpPr>
+          <p:cNvPr id="18" name="Content Placeholder 17">
+            <a:extLst>
+              <a:ext uri="{FF2B5EF4-FFF2-40B4-BE49-F238E27FC236}">
+                <a16:creationId xmlns:a16="http://schemas.microsoft.com/office/drawing/2014/main" id="{AD88346A-2E9F-4BBF-9E2E-26EF316B2DB4}"/>
+              </a:ext>
+            </a:extLst>
+          </p:cNvPr>
+          <p:cNvSpPr>
+            <a:spLocks noGrp="1"/>
+          </p:cNvSpPr>
+          <p:nvPr>
+            <p:ph idx="1"/>
+          </p:nvPr>
+        </p:nvSpPr>
+        <p:spPr>
+          <a:xfrm>
+            <a:off x="448056" y="2258568"/>
+            <a:ext cx="2807208" cy="3922776"/>
+          </a:xfrm>
+        </p:spPr>
+        <p:txBody>
+          <a:bodyPr>
+            <a:normAutofit/>
+          </a:bodyPr>
+          <a:lstStyle/>
+          <a:p>
+            <a:r>
+              <a:rPr lang="en-US" sz="1700" dirty="0"/>
+              <a:t>Roc Slope is close to better prediction</a:t>
+            </a:r>
+          </a:p>
+          <a:p>
+            <a:r>
+              <a:rPr lang="en-US" sz="1700" dirty="0"/>
+              <a:t>More closer to 100%, more accurate the model is</a:t>
+            </a:r>
+          </a:p>
+          <a:p>
+            <a:r>
+              <a:rPr lang="en-US" sz="1700" dirty="0"/>
+              <a:t>Precision Recall are pretty high, shows the model accuracy is pretty Good.</a:t>
+            </a:r>
+          </a:p>
+        </p:txBody>
+      </p:sp>
+      <p:pic>
+        <p:nvPicPr>
+          <p:cNvPr id="7" name="Picture 6">
+            <a:extLst>
+              <a:ext uri="{FF2B5EF4-FFF2-40B4-BE49-F238E27FC236}">
+                <a16:creationId xmlns:a16="http://schemas.microsoft.com/office/drawing/2014/main" id="{99FBE6AF-1653-4607-BACC-7042FE26108C}"/>
+              </a:ext>
+            </a:extLst>
+          </p:cNvPr>
+          <p:cNvPicPr>
+            <a:picLocks noChangeAspect="1"/>
+          </p:cNvPicPr>
+          <p:nvPr/>
+        </p:nvPicPr>
+        <p:blipFill rotWithShape="1">
+          <a:blip r:embed="rId5"/>
+          <a:srcRect r="22939" b="-1"/>
+          <a:stretch/>
+        </p:blipFill>
+        <p:spPr>
+          <a:xfrm>
+            <a:off x="7404372" y="10"/>
+            <a:ext cx="4787628" cy="3401558"/>
+          </a:xfrm>
+          <a:custGeom>
+            <a:avLst/>
+            <a:gdLst/>
+            <a:ahLst/>
+            <a:cxnLst/>
+            <a:rect l="l" t="t" r="r" b="b"/>
+            <a:pathLst>
+              <a:path w="4787628" h="3401568">
+                <a:moveTo>
+                  <a:pt x="0" y="0"/>
+                </a:moveTo>
+                <a:lnTo>
+                  <a:pt x="4787628" y="0"/>
+                </a:lnTo>
+                <a:lnTo>
+                  <a:pt x="4787628" y="3401568"/>
+                </a:lnTo>
+                <a:lnTo>
+                  <a:pt x="762748" y="3401568"/>
+                </a:lnTo>
+                <a:lnTo>
+                  <a:pt x="751436" y="2963954"/>
+                </a:lnTo>
+                <a:cubicBezTo>
+                  <a:pt x="698408" y="1942163"/>
+                  <a:pt x="463174" y="995044"/>
+                  <a:pt x="93264" y="192283"/>
+                </a:cubicBezTo>
+                <a:close/>
+              </a:path>
+            </a:pathLst>
+          </a:custGeom>
+        </p:spPr>
+      </p:pic>
+    </p:spTree>
+    <p:extLst>
+      <p:ext uri="{BB962C8B-B14F-4D97-AF65-F5344CB8AC3E}">
+        <p14:creationId xmlns:p14="http://schemas.microsoft.com/office/powerpoint/2010/main" val="3785557596"/>
       </p:ext>
     </p:extLst>
   </p:cSld>

--- a/insidermidway/Challenge B/Employee Turnover.pptx
+++ b/insidermidway/Challenge B/Employee Turnover.pptx
@@ -4196,44 +4196,21 @@
           </a:p>
         </p:txBody>
       </p:sp>
-      <p:sp>
-        <p:nvSpPr>
-          <p:cNvPr id="3" name="Content Placeholder 2">
-            <a:extLst>
-              <a:ext uri="{FF2B5EF4-FFF2-40B4-BE49-F238E27FC236}">
-                <a16:creationId xmlns:a16="http://schemas.microsoft.com/office/drawing/2014/main" id="{7861FB1D-A429-4449-99F9-2A661C04E87E}"/>
-              </a:ext>
-            </a:extLst>
-          </p:cNvPr>
-          <p:cNvSpPr>
-            <a:spLocks noGrp="1"/>
-          </p:cNvSpPr>
-          <p:nvPr>
-            <p:ph idx="1"/>
-          </p:nvPr>
-        </p:nvSpPr>
-        <p:spPr/>
-        <p:txBody>
-          <a:bodyPr/>
-          <a:lstStyle/>
-          <a:p>
-            <a:endParaRPr lang="en-US"/>
-          </a:p>
-        </p:txBody>
-      </p:sp>
       <p:pic>
         <p:nvPicPr>
-          <p:cNvPr id="4" name="Picture 3">
-            <a:extLst>
-              <a:ext uri="{FF2B5EF4-FFF2-40B4-BE49-F238E27FC236}">
-                <a16:creationId xmlns:a16="http://schemas.microsoft.com/office/drawing/2014/main" id="{27F1EFCE-CE3A-43AB-82CB-4581FFC0D7C0}"/>
+          <p:cNvPr id="8" name="Content Placeholder 7">
+            <a:extLst>
+              <a:ext uri="{FF2B5EF4-FFF2-40B4-BE49-F238E27FC236}">
+                <a16:creationId xmlns:a16="http://schemas.microsoft.com/office/drawing/2014/main" id="{5372FB4A-0094-4E40-8F58-33A18C7BA7C4}"/>
               </a:ext>
             </a:extLst>
           </p:cNvPr>
           <p:cNvPicPr>
-            <a:picLocks noChangeAspect="1"/>
+            <a:picLocks noGrp="1" noChangeAspect="1"/>
           </p:cNvPicPr>
-          <p:nvPr/>
+          <p:nvPr>
+            <p:ph idx="1"/>
+          </p:nvPr>
         </p:nvPicPr>
         <p:blipFill>
           <a:blip r:embed="rId2"/>
@@ -4243,8 +4220,8 @@
         </p:blipFill>
         <p:spPr>
           <a:xfrm>
-            <a:off x="1155725" y="1939462"/>
-            <a:ext cx="4761668" cy="3692457"/>
+            <a:off x="3385530" y="4331971"/>
+            <a:ext cx="2805768" cy="2152306"/>
           </a:xfrm>
           <a:prstGeom prst="rect">
             <a:avLst/>
@@ -4273,8 +4250,68 @@
         </p:blipFill>
         <p:spPr>
           <a:xfrm>
-            <a:off x="6191298" y="1830520"/>
+            <a:off x="6191298" y="1743160"/>
             <a:ext cx="5084360" cy="4131654"/>
+          </a:xfrm>
+          <a:prstGeom prst="rect">
+            <a:avLst/>
+          </a:prstGeom>
+        </p:spPr>
+      </p:pic>
+      <p:pic>
+        <p:nvPicPr>
+          <p:cNvPr id="6" name="Picture 5">
+            <a:extLst>
+              <a:ext uri="{FF2B5EF4-FFF2-40B4-BE49-F238E27FC236}">
+                <a16:creationId xmlns:a16="http://schemas.microsoft.com/office/drawing/2014/main" id="{50D09178-99F8-4F9E-96C1-8468433E5146}"/>
+              </a:ext>
+            </a:extLst>
+          </p:cNvPr>
+          <p:cNvPicPr>
+            <a:picLocks noChangeAspect="1"/>
+          </p:cNvPicPr>
+          <p:nvPr/>
+        </p:nvPicPr>
+        <p:blipFill>
+          <a:blip r:embed="rId4"/>
+          <a:stretch>
+            <a:fillRect/>
+          </a:stretch>
+        </p:blipFill>
+        <p:spPr>
+          <a:xfrm>
+            <a:off x="1003416" y="1721413"/>
+            <a:ext cx="5146338" cy="2559330"/>
+          </a:xfrm>
+          <a:prstGeom prst="rect">
+            <a:avLst/>
+          </a:prstGeom>
+        </p:spPr>
+      </p:pic>
+      <p:pic>
+        <p:nvPicPr>
+          <p:cNvPr id="7" name="Picture 6">
+            <a:extLst>
+              <a:ext uri="{FF2B5EF4-FFF2-40B4-BE49-F238E27FC236}">
+                <a16:creationId xmlns:a16="http://schemas.microsoft.com/office/drawing/2014/main" id="{D5AF477B-76C7-4A2B-8AA1-5181F805AEF3}"/>
+              </a:ext>
+            </a:extLst>
+          </p:cNvPr>
+          <p:cNvPicPr>
+            <a:picLocks noChangeAspect="1"/>
+          </p:cNvPicPr>
+          <p:nvPr/>
+        </p:nvPicPr>
+        <p:blipFill>
+          <a:blip r:embed="rId5"/>
+          <a:stretch>
+            <a:fillRect/>
+          </a:stretch>
+        </p:blipFill>
+        <p:spPr>
+          <a:xfrm>
+            <a:off x="1451579" y="4331971"/>
+            <a:ext cx="1815799" cy="1844992"/>
           </a:xfrm>
           <a:prstGeom prst="rect">
             <a:avLst/>
